--- a/Predicting House Prices Presentation.pptx
+++ b/Predicting House Prices Presentation.pptx
@@ -11,25 +11,26 @@
     <p:sldId id="264" r:id="rId5"/>
     <p:sldId id="267" r:id="rId6"/>
     <p:sldId id="265" r:id="rId7"/>
-    <p:sldId id="266" r:id="rId8"/>
-    <p:sldId id="260" r:id="rId9"/>
-    <p:sldId id="268" r:id="rId10"/>
-    <p:sldId id="269" r:id="rId11"/>
-    <p:sldId id="261" r:id="rId12"/>
-    <p:sldId id="270" r:id="rId13"/>
-    <p:sldId id="271" r:id="rId14"/>
-    <p:sldId id="272" r:id="rId15"/>
-    <p:sldId id="273" r:id="rId16"/>
-    <p:sldId id="274" r:id="rId17"/>
-    <p:sldId id="275" r:id="rId18"/>
-    <p:sldId id="276" r:id="rId19"/>
-    <p:sldId id="278" r:id="rId20"/>
-    <p:sldId id="279" r:id="rId21"/>
-    <p:sldId id="280" r:id="rId22"/>
-    <p:sldId id="281" r:id="rId23"/>
-    <p:sldId id="263" r:id="rId24"/>
-    <p:sldId id="282" r:id="rId25"/>
-    <p:sldId id="283" r:id="rId26"/>
+    <p:sldId id="284" r:id="rId8"/>
+    <p:sldId id="266" r:id="rId9"/>
+    <p:sldId id="260" r:id="rId10"/>
+    <p:sldId id="268" r:id="rId11"/>
+    <p:sldId id="269" r:id="rId12"/>
+    <p:sldId id="261" r:id="rId13"/>
+    <p:sldId id="270" r:id="rId14"/>
+    <p:sldId id="271" r:id="rId15"/>
+    <p:sldId id="272" r:id="rId16"/>
+    <p:sldId id="273" r:id="rId17"/>
+    <p:sldId id="274" r:id="rId18"/>
+    <p:sldId id="275" r:id="rId19"/>
+    <p:sldId id="276" r:id="rId20"/>
+    <p:sldId id="278" r:id="rId21"/>
+    <p:sldId id="279" r:id="rId22"/>
+    <p:sldId id="280" r:id="rId23"/>
+    <p:sldId id="281" r:id="rId24"/>
+    <p:sldId id="263" r:id="rId25"/>
+    <p:sldId id="282" r:id="rId26"/>
+    <p:sldId id="283" r:id="rId27"/>
   </p:sldIdLst>
   <p:sldSz cx="12192000" cy="6858000"/>
   <p:notesSz cx="6858000" cy="9144000"/>
@@ -324,7 +325,7 @@
           <a:p>
             <a:fld id="{4AAD347D-5ACD-4C99-B74B-A9C85AD731AF}" type="datetimeFigureOut">
               <a:rPr lang="en-US" smtClean="0"/>
-              <a:t>6/1/2019</a:t>
+              <a:t>6/6/2019</a:t>
             </a:fld>
             <a:endParaRPr lang="en-US" dirty="0"/>
           </a:p>
@@ -662,7 +663,7 @@
           <a:p>
             <a:fld id="{4AAD347D-5ACD-4C99-B74B-A9C85AD731AF}" type="datetimeFigureOut">
               <a:rPr lang="en-US" smtClean="0"/>
-              <a:t>6/1/2019</a:t>
+              <a:t>6/6/2019</a:t>
             </a:fld>
             <a:endParaRPr lang="en-US" dirty="0"/>
           </a:p>
@@ -1064,7 +1065,7 @@
           <a:p>
             <a:fld id="{4AAD347D-5ACD-4C99-B74B-A9C85AD731AF}" type="datetimeFigureOut">
               <a:rPr lang="en-US" smtClean="0"/>
-              <a:t>6/1/2019</a:t>
+              <a:t>6/6/2019</a:t>
             </a:fld>
             <a:endParaRPr lang="en-US" dirty="0"/>
           </a:p>
@@ -1401,7 +1402,7 @@
           <a:p>
             <a:fld id="{4AAD347D-5ACD-4C99-B74B-A9C85AD731AF}" type="datetimeFigureOut">
               <a:rPr lang="en-US" smtClean="0"/>
-              <a:t>6/1/2019</a:t>
+              <a:t>6/6/2019</a:t>
             </a:fld>
             <a:endParaRPr lang="en-US" dirty="0"/>
           </a:p>
@@ -1722,7 +1723,7 @@
           <a:p>
             <a:fld id="{4AAD347D-5ACD-4C99-B74B-A9C85AD731AF}" type="datetimeFigureOut">
               <a:rPr lang="en-US" smtClean="0"/>
-              <a:t>6/1/2019</a:t>
+              <a:t>6/6/2019</a:t>
             </a:fld>
             <a:endParaRPr lang="en-US" dirty="0"/>
           </a:p>
@@ -2119,7 +2120,7 @@
           <a:p>
             <a:fld id="{4AAD347D-5ACD-4C99-B74B-A9C85AD731AF}" type="datetimeFigureOut">
               <a:rPr lang="en-US" smtClean="0"/>
-              <a:t>6/1/2019</a:t>
+              <a:t>6/6/2019</a:t>
             </a:fld>
             <a:endParaRPr lang="en-US" dirty="0"/>
           </a:p>
@@ -2377,7 +2378,7 @@
           <a:p>
             <a:fld id="{4509A250-FF31-4206-8172-F9D3106AACB1}" type="datetimeFigureOut">
               <a:rPr lang="en-US" smtClean="0"/>
-              <a:t>6/1/2019</a:t>
+              <a:t>6/6/2019</a:t>
             </a:fld>
             <a:endParaRPr lang="en-US" dirty="0"/>
           </a:p>
@@ -2639,7 +2640,7 @@
           <a:p>
             <a:fld id="{4509A250-FF31-4206-8172-F9D3106AACB1}" type="datetimeFigureOut">
               <a:rPr lang="en-US" smtClean="0"/>
-              <a:t>6/1/2019</a:t>
+              <a:t>6/6/2019</a:t>
             </a:fld>
             <a:endParaRPr lang="en-US" dirty="0"/>
           </a:p>
@@ -2901,7 +2902,7 @@
           <a:p>
             <a:fld id="{4509A250-FF31-4206-8172-F9D3106AACB1}" type="datetimeFigureOut">
               <a:rPr lang="en-US" smtClean="0"/>
-              <a:t>6/1/2019</a:t>
+              <a:t>6/6/2019</a:t>
             </a:fld>
             <a:endParaRPr lang="en-US" dirty="0"/>
           </a:p>
@@ -3230,7 +3231,7 @@
           <a:p>
             <a:fld id="{9796027F-7875-4030-9381-8BD8C4F21935}" type="datetimeFigureOut">
               <a:rPr lang="en-US" smtClean="0"/>
-              <a:t>6/1/2019</a:t>
+              <a:t>6/6/2019</a:t>
             </a:fld>
             <a:endParaRPr lang="en-US" dirty="0"/>
           </a:p>
@@ -3553,7 +3554,7 @@
           <a:p>
             <a:fld id="{9796027F-7875-4030-9381-8BD8C4F21935}" type="datetimeFigureOut">
               <a:rPr lang="en-US" smtClean="0"/>
-              <a:t>6/1/2019</a:t>
+              <a:t>6/6/2019</a:t>
             </a:fld>
             <a:endParaRPr lang="en-US" dirty="0"/>
           </a:p>
@@ -4010,7 +4011,7 @@
           <a:p>
             <a:fld id="{9796027F-7875-4030-9381-8BD8C4F21935}" type="datetimeFigureOut">
               <a:rPr lang="en-US" smtClean="0"/>
-              <a:t>6/1/2019</a:t>
+              <a:t>6/6/2019</a:t>
             </a:fld>
             <a:endParaRPr lang="en-US" dirty="0"/>
           </a:p>
@@ -4215,7 +4216,7 @@
           <a:p>
             <a:fld id="{4509A250-FF31-4206-8172-F9D3106AACB1}" type="datetimeFigureOut">
               <a:rPr lang="en-US" smtClean="0"/>
-              <a:t>6/1/2019</a:t>
+              <a:t>6/6/2019</a:t>
             </a:fld>
             <a:endParaRPr lang="en-US" dirty="0"/>
           </a:p>
@@ -4392,7 +4393,7 @@
           <a:p>
             <a:fld id="{4509A250-FF31-4206-8172-F9D3106AACB1}" type="datetimeFigureOut">
               <a:rPr lang="en-US" smtClean="0"/>
-              <a:t>6/1/2019</a:t>
+              <a:t>6/6/2019</a:t>
             </a:fld>
             <a:endParaRPr lang="en-US" dirty="0"/>
           </a:p>
@@ -4725,7 +4726,7 @@
           <a:p>
             <a:fld id="{4509A250-FF31-4206-8172-F9D3106AACB1}" type="datetimeFigureOut">
               <a:rPr lang="en-US" smtClean="0"/>
-              <a:t>6/1/2019</a:t>
+              <a:t>6/6/2019</a:t>
             </a:fld>
             <a:endParaRPr lang="en-US" dirty="0"/>
           </a:p>
@@ -5070,7 +5071,7 @@
           <a:p>
             <a:fld id="{4509A250-FF31-4206-8172-F9D3106AACB1}" type="datetimeFigureOut">
               <a:rPr lang="en-US" smtClean="0"/>
-              <a:t>6/1/2019</a:t>
+              <a:t>6/6/2019</a:t>
             </a:fld>
             <a:endParaRPr lang="en-US" dirty="0"/>
           </a:p>
@@ -7187,7 +7188,7 @@
           <a:p>
             <a:fld id="{4AAD347D-5ACD-4C99-B74B-A9C85AD731AF}" type="datetimeFigureOut">
               <a:rPr lang="en-US" smtClean="0"/>
-              <a:t>6/1/2019</a:t>
+              <a:t>6/6/2019</a:t>
             </a:fld>
             <a:endParaRPr lang="en-US" dirty="0"/>
           </a:p>
@@ -7764,6 +7765,18 @@
               <a:t>Paul Schmidt</a:t>
             </a:r>
           </a:p>
+          <a:p>
+            <a:r>
+              <a:rPr lang="en-US" sz="1600" dirty="0">
+                <a:hlinkClick r:id="rId2"/>
+              </a:rPr>
+              <a:t>https://github.com/paulbenschmidt/predicting-house-prices</a:t>
+            </a:r>
+            <a:endParaRPr lang="en-US" sz="1600" dirty="0"/>
+          </a:p>
+          <a:p>
+            <a:endParaRPr lang="en-US" b="1" dirty="0"/>
+          </a:p>
         </p:txBody>
       </p:sp>
       <p:pic>
@@ -7781,10 +7794,10 @@
           <p:nvPr/>
         </p:nvPicPr>
         <p:blipFill>
-          <a:blip r:embed="rId2">
+          <a:blip r:embed="rId3">
             <a:extLst>
               <a:ext uri="{837473B0-CC2E-450A-ABE3-18F120FF3D39}">
-                <a1611:picAttrSrcUrl xmlns:a1611="http://schemas.microsoft.com/office/drawing/2016/11/main" r:id="rId3"/>
+                <a1611:picAttrSrcUrl xmlns:a1611="http://schemas.microsoft.com/office/drawing/2016/11/main" r:id="rId4"/>
               </a:ext>
             </a:extLst>
           </a:blip>
@@ -7862,7 +7875,7 @@
             </a:br>
             <a:r>
               <a:rPr lang="en-US" dirty="0"/>
-              <a:t>The Method of Testing</a:t>
+              <a:t>The Need and Solution</a:t>
             </a:r>
           </a:p>
         </p:txBody>
@@ -7886,67 +7899,70 @@
         <p:spPr/>
         <p:txBody>
           <a:bodyPr>
-            <a:normAutofit fontScale="92500" lnSpcReduction="10000"/>
+            <a:normAutofit/>
           </a:bodyPr>
           <a:lstStyle/>
           <a:p>
             <a:r>
               <a:rPr lang="en-US" dirty="0"/>
-              <a:t>To effectively calculate the continuous variable house price, we will test and create various models, assessing their accuracy via train-test split and cross-validation. </a:t>
-            </a:r>
-          </a:p>
-          <a:p>
+              <a:t>The Need</a:t>
+            </a:r>
+          </a:p>
+          <a:p>
+            <a:pPr lvl="1"/>
             <a:r>
               <a:rPr lang="en-US" dirty="0"/>
-              <a:t>Goal: In order to provide the buyer/seller with a consistent, accurate model, we will attempt to create a model with at least 85% accuracy.</a:t>
-            </a:r>
-          </a:p>
-          <a:p>
+              <a:t>Those lacking industry experience in real estate are at risk of buying or selling mispriced properties at a loss. </a:t>
+            </a:r>
+          </a:p>
+          <a:p>
+            <a:pPr lvl="1"/>
             <a:r>
               <a:rPr lang="en-US" dirty="0"/>
-              <a:t>Regression Methods Used:</a:t>
+              <a:t>When given a complete list of the house specifications, the buyer/seller should have statistical confidence in their desired house price point. </a:t>
+            </a:r>
+          </a:p>
+          <a:p>
+            <a:r>
+              <a:rPr lang="en-US" dirty="0"/>
+              <a:t>The Solution</a:t>
             </a:r>
           </a:p>
           <a:p>
             <a:pPr lvl="1"/>
             <a:r>
               <a:rPr lang="en-US" dirty="0"/>
-              <a:t>Linear Multivariable Regression (OLS)</a:t>
-            </a:r>
-          </a:p>
-          <a:p>
-            <a:pPr lvl="1"/>
+              <a:t>By creating a model that uses a wide variety of features, we will be able to </a:t>
+            </a:r>
+            <a:r>
+              <a:rPr lang="en-US" b="1" dirty="0"/>
+              <a:t>calculate the house price</a:t>
+            </a:r>
             <a:r>
               <a:rPr lang="en-US" dirty="0"/>
-              <a:t>KNN Regression</a:t>
-            </a:r>
-          </a:p>
-          <a:p>
-            <a:pPr lvl="1"/>
+              <a:t>. </a:t>
+            </a:r>
+          </a:p>
+          <a:p>
+            <a:pPr lvl="2"/>
             <a:r>
               <a:rPr lang="en-US" dirty="0"/>
-              <a:t>Ridge Regression</a:t>
-            </a:r>
-          </a:p>
-          <a:p>
-            <a:pPr lvl="1"/>
+              <a:t>The seller may input house specifications specifications and have it return an estimated selling price.</a:t>
+            </a:r>
+          </a:p>
+          <a:p>
+            <a:pPr lvl="2"/>
             <a:r>
               <a:rPr lang="en-US" dirty="0"/>
-              <a:t>Lasso Regression</a:t>
-            </a:r>
-          </a:p>
-          <a:p>
-            <a:pPr lvl="1"/>
+              <a:t>The buyer may assess deals based on the house specifications and determine whether a listing is over- or </a:t>
+            </a:r>
+            <a:r>
+              <a:rPr lang="en-US" dirty="0" err="1"/>
+              <a:t>under-priced</a:t>
+            </a:r>
             <a:r>
               <a:rPr lang="en-US" dirty="0"/>
-              <a:t>Random Forest Regressor (Ensemble)</a:t>
-            </a:r>
-          </a:p>
-          <a:p>
-            <a:pPr lvl="1"/>
-            <a:r>
-              <a:rPr lang="en-US" dirty="0"/>
-              <a:t>Support Vector Regressor</a:t>
+              <a:t>.</a:t>
             </a:r>
           </a:p>
           <a:p>
@@ -7957,7 +7973,7 @@
     </p:spTree>
     <p:extLst>
       <p:ext uri="{BB962C8B-B14F-4D97-AF65-F5344CB8AC3E}">
-        <p14:creationId xmlns:p14="http://schemas.microsoft.com/office/powerpoint/2010/main" val="1604122825"/>
+        <p14:creationId xmlns:p14="http://schemas.microsoft.com/office/powerpoint/2010/main" val="4080860243"/>
       </p:ext>
     </p:extLst>
   </p:cSld>
@@ -7989,6 +8005,158 @@
           <p:cNvPr id="2" name="Title 1">
             <a:extLst>
               <a:ext uri="{FF2B5EF4-FFF2-40B4-BE49-F238E27FC236}">
+                <a16:creationId xmlns:a16="http://schemas.microsoft.com/office/drawing/2014/main" id="{607001DB-EE5C-4C56-8AA6-6E34848F87DE}"/>
+              </a:ext>
+            </a:extLst>
+          </p:cNvPr>
+          <p:cNvSpPr>
+            <a:spLocks noGrp="1"/>
+          </p:cNvSpPr>
+          <p:nvPr>
+            <p:ph type="title"/>
+          </p:nvPr>
+        </p:nvSpPr>
+        <p:spPr/>
+        <p:txBody>
+          <a:bodyPr/>
+          <a:lstStyle/>
+          <a:p>
+            <a:r>
+              <a:rPr lang="en-US" sz="1800" dirty="0"/>
+              <a:t>II. Presenting the Research Question</a:t>
+            </a:r>
+            <a:br>
+              <a:rPr lang="en-US" dirty="0"/>
+            </a:br>
+            <a:r>
+              <a:rPr lang="en-US" dirty="0"/>
+              <a:t>The Method of Testing</a:t>
+            </a:r>
+          </a:p>
+        </p:txBody>
+      </p:sp>
+      <p:sp>
+        <p:nvSpPr>
+          <p:cNvPr id="3" name="Content Placeholder 2">
+            <a:extLst>
+              <a:ext uri="{FF2B5EF4-FFF2-40B4-BE49-F238E27FC236}">
+                <a16:creationId xmlns:a16="http://schemas.microsoft.com/office/drawing/2014/main" id="{035944EF-FF56-485A-B7EE-2C6FD317DD50}"/>
+              </a:ext>
+            </a:extLst>
+          </p:cNvPr>
+          <p:cNvSpPr>
+            <a:spLocks noGrp="1"/>
+          </p:cNvSpPr>
+          <p:nvPr>
+            <p:ph idx="1"/>
+          </p:nvPr>
+        </p:nvSpPr>
+        <p:spPr/>
+        <p:txBody>
+          <a:bodyPr>
+            <a:normAutofit fontScale="92500" lnSpcReduction="10000"/>
+          </a:bodyPr>
+          <a:lstStyle/>
+          <a:p>
+            <a:r>
+              <a:rPr lang="en-US" dirty="0"/>
+              <a:t>To effectively calculate the continuous variable house price, we will test and create various models, assessing their accuracy via train-test split and cross-validation. </a:t>
+            </a:r>
+          </a:p>
+          <a:p>
+            <a:r>
+              <a:rPr lang="en-US" dirty="0"/>
+              <a:t>Goal: In order to provide the buyer/seller with a consistent, accurate model, we will attempt to create a model with at least 85% accuracy.</a:t>
+            </a:r>
+          </a:p>
+          <a:p>
+            <a:r>
+              <a:rPr lang="en-US" dirty="0"/>
+              <a:t>Regression Methods Used:</a:t>
+            </a:r>
+          </a:p>
+          <a:p>
+            <a:pPr lvl="1"/>
+            <a:r>
+              <a:rPr lang="en-US" dirty="0"/>
+              <a:t>Linear Multivariable Regression (OLS)</a:t>
+            </a:r>
+          </a:p>
+          <a:p>
+            <a:pPr lvl="1"/>
+            <a:r>
+              <a:rPr lang="en-US" dirty="0"/>
+              <a:t>KNN Regression</a:t>
+            </a:r>
+          </a:p>
+          <a:p>
+            <a:pPr lvl="1"/>
+            <a:r>
+              <a:rPr lang="en-US" dirty="0"/>
+              <a:t>Ridge Regression</a:t>
+            </a:r>
+          </a:p>
+          <a:p>
+            <a:pPr lvl="1"/>
+            <a:r>
+              <a:rPr lang="en-US" dirty="0"/>
+              <a:t>Lasso Regression</a:t>
+            </a:r>
+          </a:p>
+          <a:p>
+            <a:pPr lvl="1"/>
+            <a:r>
+              <a:rPr lang="en-US" dirty="0"/>
+              <a:t>Random Forest Regressor (Ensemble)</a:t>
+            </a:r>
+          </a:p>
+          <a:p>
+            <a:pPr lvl="1"/>
+            <a:r>
+              <a:rPr lang="en-US" dirty="0"/>
+              <a:t>Support Vector Regressor</a:t>
+            </a:r>
+          </a:p>
+          <a:p>
+            <a:endParaRPr lang="en-US" dirty="0"/>
+          </a:p>
+        </p:txBody>
+      </p:sp>
+    </p:spTree>
+    <p:extLst>
+      <p:ext uri="{BB962C8B-B14F-4D97-AF65-F5344CB8AC3E}">
+        <p14:creationId xmlns:p14="http://schemas.microsoft.com/office/powerpoint/2010/main" val="1604122825"/>
+      </p:ext>
+    </p:extLst>
+  </p:cSld>
+  <p:clrMapOvr>
+    <a:masterClrMapping/>
+  </p:clrMapOvr>
+</p:sld>
+</file>
+
+<file path=ppt/slides/slide12.xml><?xml version="1.0" encoding="utf-8"?>
+<p:sld xmlns:a="http://schemas.openxmlformats.org/drawingml/2006/main" xmlns:r="http://schemas.openxmlformats.org/officeDocument/2006/relationships" xmlns:p="http://schemas.openxmlformats.org/presentationml/2006/main">
+  <p:cSld>
+    <p:spTree>
+      <p:nvGrpSpPr>
+        <p:cNvPr id="1" name=""/>
+        <p:cNvGrpSpPr/>
+        <p:nvPr/>
+      </p:nvGrpSpPr>
+      <p:grpSpPr>
+        <a:xfrm>
+          <a:off x="0" y="0"/>
+          <a:ext cx="0" cy="0"/>
+          <a:chOff x="0" y="0"/>
+          <a:chExt cx="0" cy="0"/>
+        </a:xfrm>
+      </p:grpSpPr>
+      <p:sp>
+        <p:nvSpPr>
+          <p:cNvPr id="2" name="Title 1">
+            <a:extLst>
+              <a:ext uri="{FF2B5EF4-FFF2-40B4-BE49-F238E27FC236}">
                 <a16:creationId xmlns:a16="http://schemas.microsoft.com/office/drawing/2014/main" id="{0037B73C-C529-476A-B4A5-326691E05071}"/>
               </a:ext>
             </a:extLst>
@@ -8117,7 +8285,7 @@
 </p:sld>
 </file>
 
-<file path=ppt/slides/slide12.xml><?xml version="1.0" encoding="utf-8"?>
+<file path=ppt/slides/slide13.xml><?xml version="1.0" encoding="utf-8"?>
 <p:sld xmlns:a="http://schemas.openxmlformats.org/drawingml/2006/main" xmlns:r="http://schemas.openxmlformats.org/officeDocument/2006/relationships" xmlns:p="http://schemas.openxmlformats.org/presentationml/2006/main">
   <p:cSld>
     <p:spTree>
@@ -8585,7 +8753,7 @@
 </p:sld>
 </file>
 
-<file path=ppt/slides/slide13.xml><?xml version="1.0" encoding="utf-8"?>
+<file path=ppt/slides/slide14.xml><?xml version="1.0" encoding="utf-8"?>
 <p:sld xmlns:a="http://schemas.openxmlformats.org/drawingml/2006/main" xmlns:r="http://schemas.openxmlformats.org/officeDocument/2006/relationships" xmlns:p="http://schemas.openxmlformats.org/presentationml/2006/main">
   <p:cSld>
     <p:spTree>
@@ -9215,7 +9383,7 @@
 </p:sld>
 </file>
 
-<file path=ppt/slides/slide14.xml><?xml version="1.0" encoding="utf-8"?>
+<file path=ppt/slides/slide15.xml><?xml version="1.0" encoding="utf-8"?>
 <p:sld xmlns:a="http://schemas.openxmlformats.org/drawingml/2006/main" xmlns:r="http://schemas.openxmlformats.org/officeDocument/2006/relationships" xmlns:p="http://schemas.openxmlformats.org/presentationml/2006/main">
   <p:cSld>
     <p:spTree>
@@ -9742,7 +9910,7 @@
 </p:sld>
 </file>
 
-<file path=ppt/slides/slide15.xml><?xml version="1.0" encoding="utf-8"?>
+<file path=ppt/slides/slide16.xml><?xml version="1.0" encoding="utf-8"?>
 <p:sld xmlns:a="http://schemas.openxmlformats.org/drawingml/2006/main" xmlns:r="http://schemas.openxmlformats.org/officeDocument/2006/relationships" xmlns:p="http://schemas.openxmlformats.org/presentationml/2006/main">
   <p:cSld>
     <p:spTree>
@@ -10138,7 +10306,7 @@
 </p:sld>
 </file>
 
-<file path=ppt/slides/slide16.xml><?xml version="1.0" encoding="utf-8"?>
+<file path=ppt/slides/slide17.xml><?xml version="1.0" encoding="utf-8"?>
 <p:sld xmlns:a="http://schemas.openxmlformats.org/drawingml/2006/main" xmlns:r="http://schemas.openxmlformats.org/officeDocument/2006/relationships" xmlns:p="http://schemas.openxmlformats.org/presentationml/2006/main">
   <p:cSld>
     <p:spTree>
@@ -10535,7 +10703,7 @@
 </p:sld>
 </file>
 
-<file path=ppt/slides/slide17.xml><?xml version="1.0" encoding="utf-8"?>
+<file path=ppt/slides/slide18.xml><?xml version="1.0" encoding="utf-8"?>
 <p:sld xmlns:a="http://schemas.openxmlformats.org/drawingml/2006/main" xmlns:r="http://schemas.openxmlformats.org/officeDocument/2006/relationships" xmlns:p="http://schemas.openxmlformats.org/presentationml/2006/main">
   <p:cSld>
     <p:spTree>
@@ -11481,7 +11649,7 @@
 </p:sld>
 </file>
 
-<file path=ppt/slides/slide18.xml><?xml version="1.0" encoding="utf-8"?>
+<file path=ppt/slides/slide19.xml><?xml version="1.0" encoding="utf-8"?>
 <p:sld xmlns:a="http://schemas.openxmlformats.org/drawingml/2006/main" xmlns:r="http://schemas.openxmlformats.org/officeDocument/2006/relationships" xmlns:p="http://schemas.openxmlformats.org/presentationml/2006/main">
   <p:cSld>
     <p:spTree>
@@ -11886,7 +12054,167 @@
 </p:sld>
 </file>
 
-<file path=ppt/slides/slide19.xml><?xml version="1.0" encoding="utf-8"?>
+<file path=ppt/slides/slide2.xml><?xml version="1.0" encoding="utf-8"?>
+<p:sld xmlns:a="http://schemas.openxmlformats.org/drawingml/2006/main" xmlns:r="http://schemas.openxmlformats.org/officeDocument/2006/relationships" xmlns:p="http://schemas.openxmlformats.org/presentationml/2006/main">
+  <p:cSld>
+    <p:spTree>
+      <p:nvGrpSpPr>
+        <p:cNvPr id="1" name=""/>
+        <p:cNvGrpSpPr/>
+        <p:nvPr/>
+      </p:nvGrpSpPr>
+      <p:grpSpPr>
+        <a:xfrm>
+          <a:off x="0" y="0"/>
+          <a:ext cx="0" cy="0"/>
+          <a:chOff x="0" y="0"/>
+          <a:chExt cx="0" cy="0"/>
+        </a:xfrm>
+      </p:grpSpPr>
+      <p:sp>
+        <p:nvSpPr>
+          <p:cNvPr id="2" name="Title 1">
+            <a:extLst>
+              <a:ext uri="{FF2B5EF4-FFF2-40B4-BE49-F238E27FC236}">
+                <a16:creationId xmlns:a16="http://schemas.microsoft.com/office/drawing/2014/main" id="{89EE4227-821F-45E6-9CF7-9A3A8ABFADA1}"/>
+              </a:ext>
+            </a:extLst>
+          </p:cNvPr>
+          <p:cNvSpPr>
+            <a:spLocks noGrp="1"/>
+          </p:cNvSpPr>
+          <p:nvPr>
+            <p:ph type="title"/>
+          </p:nvPr>
+        </p:nvSpPr>
+        <p:spPr/>
+        <p:txBody>
+          <a:bodyPr/>
+          <a:lstStyle/>
+          <a:p>
+            <a:r>
+              <a:rPr lang="en-US" dirty="0"/>
+              <a:t>Outlining the Presentation</a:t>
+            </a:r>
+          </a:p>
+        </p:txBody>
+      </p:sp>
+      <p:sp>
+        <p:nvSpPr>
+          <p:cNvPr id="3" name="Content Placeholder 2">
+            <a:extLst>
+              <a:ext uri="{FF2B5EF4-FFF2-40B4-BE49-F238E27FC236}">
+                <a16:creationId xmlns:a16="http://schemas.microsoft.com/office/drawing/2014/main" id="{4CBEAE38-0055-4D64-856E-2B3FC86AD178}"/>
+              </a:ext>
+            </a:extLst>
+          </p:cNvPr>
+          <p:cNvSpPr>
+            <a:spLocks noGrp="1"/>
+          </p:cNvSpPr>
+          <p:nvPr>
+            <p:ph idx="1"/>
+          </p:nvPr>
+        </p:nvSpPr>
+        <p:spPr>
+          <a:xfrm>
+            <a:off x="2467914" y="1905000"/>
+            <a:ext cx="8915400" cy="4399663"/>
+          </a:xfrm>
+        </p:spPr>
+        <p:txBody>
+          <a:bodyPr>
+            <a:normAutofit/>
+          </a:bodyPr>
+          <a:lstStyle/>
+          <a:p>
+            <a:r>
+              <a:rPr lang="en-US" dirty="0"/>
+              <a:t>I. Introduction to House Prices</a:t>
+            </a:r>
+          </a:p>
+          <a:p>
+            <a:pPr lvl="1"/>
+            <a:r>
+              <a:rPr lang="en-US" dirty="0"/>
+              <a:t>A. Context on Housing Market</a:t>
+            </a:r>
+          </a:p>
+          <a:p>
+            <a:pPr lvl="1"/>
+            <a:r>
+              <a:rPr lang="en-US" dirty="0"/>
+              <a:t>B. Information on Specific Dataset</a:t>
+            </a:r>
+          </a:p>
+          <a:p>
+            <a:r>
+              <a:rPr lang="en-US" dirty="0"/>
+              <a:t>II. Presenting the Research Question</a:t>
+            </a:r>
+          </a:p>
+          <a:p>
+            <a:pPr lvl="1"/>
+            <a:r>
+              <a:rPr lang="en-US" dirty="0"/>
+              <a:t>A. Need and Solution</a:t>
+            </a:r>
+          </a:p>
+          <a:p>
+            <a:pPr lvl="1"/>
+            <a:r>
+              <a:rPr lang="en-US" dirty="0"/>
+              <a:t>B. Method of Testing</a:t>
+            </a:r>
+          </a:p>
+          <a:p>
+            <a:r>
+              <a:rPr lang="en-US" dirty="0"/>
+              <a:t>III. Addressing the Research Question</a:t>
+            </a:r>
+          </a:p>
+          <a:p>
+            <a:pPr lvl="1"/>
+            <a:r>
+              <a:rPr lang="en-US" dirty="0"/>
+              <a:t>A. Feature Engineering</a:t>
+            </a:r>
+          </a:p>
+          <a:p>
+            <a:pPr lvl="1"/>
+            <a:r>
+              <a:rPr lang="en-US" dirty="0"/>
+              <a:t>B. Model Tuning</a:t>
+            </a:r>
+          </a:p>
+          <a:p>
+            <a:pPr lvl="1"/>
+            <a:r>
+              <a:rPr lang="en-US" dirty="0"/>
+              <a:t>C. Selecting our Final Model</a:t>
+            </a:r>
+          </a:p>
+          <a:p>
+            <a:r>
+              <a:rPr lang="en-US" dirty="0"/>
+              <a:t>IV. Conclusion: Model’s Relevance</a:t>
+            </a:r>
+          </a:p>
+        </p:txBody>
+      </p:sp>
+    </p:spTree>
+    <p:extLst>
+      <p:ext uri="{BB962C8B-B14F-4D97-AF65-F5344CB8AC3E}">
+        <p14:creationId xmlns:p14="http://schemas.microsoft.com/office/powerpoint/2010/main" val="122201865"/>
+      </p:ext>
+    </p:extLst>
+  </p:cSld>
+  <p:clrMapOvr>
+    <a:masterClrMapping/>
+  </p:clrMapOvr>
+</p:sld>
+</file>
+
+<file path=ppt/slides/slide20.xml><?xml version="1.0" encoding="utf-8"?>
 <p:sld xmlns:a="http://schemas.openxmlformats.org/drawingml/2006/main" xmlns:r="http://schemas.openxmlformats.org/officeDocument/2006/relationships" xmlns:p="http://schemas.openxmlformats.org/presentationml/2006/main">
   <p:cSld>
     <p:spTree>
@@ -13215,167 +13543,7 @@
 </p:sld>
 </file>
 
-<file path=ppt/slides/slide2.xml><?xml version="1.0" encoding="utf-8"?>
-<p:sld xmlns:a="http://schemas.openxmlformats.org/drawingml/2006/main" xmlns:r="http://schemas.openxmlformats.org/officeDocument/2006/relationships" xmlns:p="http://schemas.openxmlformats.org/presentationml/2006/main">
-  <p:cSld>
-    <p:spTree>
-      <p:nvGrpSpPr>
-        <p:cNvPr id="1" name=""/>
-        <p:cNvGrpSpPr/>
-        <p:nvPr/>
-      </p:nvGrpSpPr>
-      <p:grpSpPr>
-        <a:xfrm>
-          <a:off x="0" y="0"/>
-          <a:ext cx="0" cy="0"/>
-          <a:chOff x="0" y="0"/>
-          <a:chExt cx="0" cy="0"/>
-        </a:xfrm>
-      </p:grpSpPr>
-      <p:sp>
-        <p:nvSpPr>
-          <p:cNvPr id="2" name="Title 1">
-            <a:extLst>
-              <a:ext uri="{FF2B5EF4-FFF2-40B4-BE49-F238E27FC236}">
-                <a16:creationId xmlns:a16="http://schemas.microsoft.com/office/drawing/2014/main" id="{89EE4227-821F-45E6-9CF7-9A3A8ABFADA1}"/>
-              </a:ext>
-            </a:extLst>
-          </p:cNvPr>
-          <p:cNvSpPr>
-            <a:spLocks noGrp="1"/>
-          </p:cNvSpPr>
-          <p:nvPr>
-            <p:ph type="title"/>
-          </p:nvPr>
-        </p:nvSpPr>
-        <p:spPr/>
-        <p:txBody>
-          <a:bodyPr/>
-          <a:lstStyle/>
-          <a:p>
-            <a:r>
-              <a:rPr lang="en-US" dirty="0"/>
-              <a:t>Outlining the Presentation</a:t>
-            </a:r>
-          </a:p>
-        </p:txBody>
-      </p:sp>
-      <p:sp>
-        <p:nvSpPr>
-          <p:cNvPr id="3" name="Content Placeholder 2">
-            <a:extLst>
-              <a:ext uri="{FF2B5EF4-FFF2-40B4-BE49-F238E27FC236}">
-                <a16:creationId xmlns:a16="http://schemas.microsoft.com/office/drawing/2014/main" id="{4CBEAE38-0055-4D64-856E-2B3FC86AD178}"/>
-              </a:ext>
-            </a:extLst>
-          </p:cNvPr>
-          <p:cNvSpPr>
-            <a:spLocks noGrp="1"/>
-          </p:cNvSpPr>
-          <p:nvPr>
-            <p:ph idx="1"/>
-          </p:nvPr>
-        </p:nvSpPr>
-        <p:spPr>
-          <a:xfrm>
-            <a:off x="2467914" y="1905000"/>
-            <a:ext cx="8915400" cy="4399663"/>
-          </a:xfrm>
-        </p:spPr>
-        <p:txBody>
-          <a:bodyPr>
-            <a:normAutofit/>
-          </a:bodyPr>
-          <a:lstStyle/>
-          <a:p>
-            <a:r>
-              <a:rPr lang="en-US" dirty="0"/>
-              <a:t>I. Introduction to House Prices</a:t>
-            </a:r>
-          </a:p>
-          <a:p>
-            <a:pPr lvl="1"/>
-            <a:r>
-              <a:rPr lang="en-US" dirty="0"/>
-              <a:t>A. Context on Housing Market</a:t>
-            </a:r>
-          </a:p>
-          <a:p>
-            <a:pPr lvl="1"/>
-            <a:r>
-              <a:rPr lang="en-US" dirty="0"/>
-              <a:t>B. Information on Specific Dataset</a:t>
-            </a:r>
-          </a:p>
-          <a:p>
-            <a:r>
-              <a:rPr lang="en-US" dirty="0"/>
-              <a:t>II. Presenting the Research Question</a:t>
-            </a:r>
-          </a:p>
-          <a:p>
-            <a:pPr lvl="1"/>
-            <a:r>
-              <a:rPr lang="en-US" dirty="0"/>
-              <a:t>A. Need and Solution</a:t>
-            </a:r>
-          </a:p>
-          <a:p>
-            <a:pPr lvl="1"/>
-            <a:r>
-              <a:rPr lang="en-US" dirty="0"/>
-              <a:t>B. Method of Testing</a:t>
-            </a:r>
-          </a:p>
-          <a:p>
-            <a:r>
-              <a:rPr lang="en-US" dirty="0"/>
-              <a:t>III. Addressing the Research Question</a:t>
-            </a:r>
-          </a:p>
-          <a:p>
-            <a:pPr lvl="1"/>
-            <a:r>
-              <a:rPr lang="en-US" dirty="0"/>
-              <a:t>A. Feature Engineering</a:t>
-            </a:r>
-          </a:p>
-          <a:p>
-            <a:pPr lvl="1"/>
-            <a:r>
-              <a:rPr lang="en-US" dirty="0"/>
-              <a:t>B. Model Tuning</a:t>
-            </a:r>
-          </a:p>
-          <a:p>
-            <a:pPr lvl="1"/>
-            <a:r>
-              <a:rPr lang="en-US" dirty="0"/>
-              <a:t>C. Selecting our Final Model</a:t>
-            </a:r>
-          </a:p>
-          <a:p>
-            <a:r>
-              <a:rPr lang="en-US" dirty="0"/>
-              <a:t>IV. Conclusion: Model’s Relevance</a:t>
-            </a:r>
-          </a:p>
-        </p:txBody>
-      </p:sp>
-    </p:spTree>
-    <p:extLst>
-      <p:ext uri="{BB962C8B-B14F-4D97-AF65-F5344CB8AC3E}">
-        <p14:creationId xmlns:p14="http://schemas.microsoft.com/office/powerpoint/2010/main" val="122201865"/>
-      </p:ext>
-    </p:extLst>
-  </p:cSld>
-  <p:clrMapOvr>
-    <a:masterClrMapping/>
-  </p:clrMapOvr>
-</p:sld>
-</file>
-
-<file path=ppt/slides/slide20.xml><?xml version="1.0" encoding="utf-8"?>
+<file path=ppt/slides/slide21.xml><?xml version="1.0" encoding="utf-8"?>
 <p:sld xmlns:a="http://schemas.openxmlformats.org/drawingml/2006/main" xmlns:r="http://schemas.openxmlformats.org/officeDocument/2006/relationships" xmlns:p="http://schemas.openxmlformats.org/presentationml/2006/main">
   <p:cSld>
     <p:spTree>
@@ -14747,7 +14915,7 @@
 </p:sld>
 </file>
 
-<file path=ppt/slides/slide21.xml><?xml version="1.0" encoding="utf-8"?>
+<file path=ppt/slides/slide22.xml><?xml version="1.0" encoding="utf-8"?>
 <p:sld xmlns:a="http://schemas.openxmlformats.org/drawingml/2006/main" xmlns:r="http://schemas.openxmlformats.org/officeDocument/2006/relationships" xmlns:p="http://schemas.openxmlformats.org/presentationml/2006/main">
   <p:cSld>
     <p:spTree>
@@ -15004,7 +15172,7 @@
 </p:sld>
 </file>
 
-<file path=ppt/slides/slide22.xml><?xml version="1.0" encoding="utf-8"?>
+<file path=ppt/slides/slide23.xml><?xml version="1.0" encoding="utf-8"?>
 <p:sld xmlns:a="http://schemas.openxmlformats.org/drawingml/2006/main" xmlns:r="http://schemas.openxmlformats.org/officeDocument/2006/relationships" xmlns:p="http://schemas.openxmlformats.org/presentationml/2006/main">
   <p:cSld>
     <p:spTree>
@@ -16086,161 +16254,6 @@
 </p:sld>
 </file>
 
-<file path=ppt/slides/slide23.xml><?xml version="1.0" encoding="utf-8"?>
-<p:sld xmlns:a="http://schemas.openxmlformats.org/drawingml/2006/main" xmlns:r="http://schemas.openxmlformats.org/officeDocument/2006/relationships" xmlns:p="http://schemas.openxmlformats.org/presentationml/2006/main">
-  <p:cSld>
-    <p:spTree>
-      <p:nvGrpSpPr>
-        <p:cNvPr id="1" name=""/>
-        <p:cNvGrpSpPr/>
-        <p:nvPr/>
-      </p:nvGrpSpPr>
-      <p:grpSpPr>
-        <a:xfrm>
-          <a:off x="0" y="0"/>
-          <a:ext cx="0" cy="0"/>
-          <a:chOff x="0" y="0"/>
-          <a:chExt cx="0" cy="0"/>
-        </a:xfrm>
-      </p:grpSpPr>
-      <p:sp>
-        <p:nvSpPr>
-          <p:cNvPr id="2" name="Title 1">
-            <a:extLst>
-              <a:ext uri="{FF2B5EF4-FFF2-40B4-BE49-F238E27FC236}">
-                <a16:creationId xmlns:a16="http://schemas.microsoft.com/office/drawing/2014/main" id="{0037B73C-C529-476A-B4A5-326691E05071}"/>
-              </a:ext>
-            </a:extLst>
-          </p:cNvPr>
-          <p:cNvSpPr>
-            <a:spLocks noGrp="1"/>
-          </p:cNvSpPr>
-          <p:nvPr>
-            <p:ph type="title"/>
-          </p:nvPr>
-        </p:nvSpPr>
-        <p:spPr/>
-        <p:txBody>
-          <a:bodyPr>
-            <a:normAutofit/>
-          </a:bodyPr>
-          <a:lstStyle/>
-          <a:p>
-            <a:r>
-              <a:rPr lang="en-US" dirty="0"/>
-              <a:t>IV. Conclusion: Model’s Relevance</a:t>
-            </a:r>
-          </a:p>
-        </p:txBody>
-      </p:sp>
-      <p:sp>
-        <p:nvSpPr>
-          <p:cNvPr id="3" name="Text Placeholder 2">
-            <a:extLst>
-              <a:ext uri="{FF2B5EF4-FFF2-40B4-BE49-F238E27FC236}">
-                <a16:creationId xmlns:a16="http://schemas.microsoft.com/office/drawing/2014/main" id="{4CFB5C0B-B2D7-4BB9-919E-E9B56CE58B14}"/>
-              </a:ext>
-            </a:extLst>
-          </p:cNvPr>
-          <p:cNvSpPr>
-            <a:spLocks noGrp="1"/>
-          </p:cNvSpPr>
-          <p:nvPr>
-            <p:ph type="body" idx="1"/>
-          </p:nvPr>
-        </p:nvSpPr>
-        <p:spPr/>
-        <p:txBody>
-          <a:bodyPr/>
-          <a:lstStyle/>
-          <a:p>
-            <a:endParaRPr lang="en-US" dirty="0"/>
-          </a:p>
-        </p:txBody>
-      </p:sp>
-      <p:sp>
-        <p:nvSpPr>
-          <p:cNvPr id="4" name="Rectangle 3">
-            <a:extLst>
-              <a:ext uri="{FF2B5EF4-FFF2-40B4-BE49-F238E27FC236}">
-                <a16:creationId xmlns:a16="http://schemas.microsoft.com/office/drawing/2014/main" id="{398385F8-1930-4A00-B50B-E2F1CDBDBFEA}"/>
-              </a:ext>
-            </a:extLst>
-          </p:cNvPr>
-          <p:cNvSpPr/>
-          <p:nvPr/>
-        </p:nvSpPr>
-        <p:spPr>
-          <a:xfrm>
-            <a:off x="6096000" y="1758210"/>
-            <a:ext cx="6096000" cy="3139321"/>
-          </a:xfrm>
-          <a:prstGeom prst="rect">
-            <a:avLst/>
-          </a:prstGeom>
-        </p:spPr>
-        <p:txBody>
-          <a:bodyPr>
-            <a:spAutoFit/>
-          </a:bodyPr>
-          <a:lstStyle/>
-          <a:p>
-            <a:r>
-              <a:rPr lang="en-US" dirty="0"/>
-              <a:t>I. Introduction to House Prices</a:t>
-            </a:r>
-          </a:p>
-          <a:p>
-            <a:r>
-              <a:rPr lang="en-US" dirty="0"/>
-              <a:t>II. Presenting the Research Question</a:t>
-            </a:r>
-          </a:p>
-          <a:p>
-            <a:r>
-              <a:rPr lang="en-US" dirty="0"/>
-              <a:t>III. Addressing the Research Question</a:t>
-            </a:r>
-          </a:p>
-          <a:p>
-            <a:endParaRPr lang="en-US" dirty="0"/>
-          </a:p>
-          <a:p>
-            <a:endParaRPr lang="en-US" dirty="0"/>
-          </a:p>
-          <a:p>
-            <a:endParaRPr lang="en-US" dirty="0"/>
-          </a:p>
-          <a:p>
-            <a:endParaRPr lang="en-US" dirty="0"/>
-          </a:p>
-          <a:p>
-            <a:endParaRPr lang="en-US" dirty="0"/>
-          </a:p>
-          <a:p>
-            <a:endParaRPr lang="en-US" dirty="0"/>
-          </a:p>
-          <a:p>
-            <a:endParaRPr lang="en-US" dirty="0"/>
-          </a:p>
-          <a:p>
-            <a:endParaRPr lang="en-US" dirty="0"/>
-          </a:p>
-        </p:txBody>
-      </p:sp>
-    </p:spTree>
-    <p:extLst>
-      <p:ext uri="{BB962C8B-B14F-4D97-AF65-F5344CB8AC3E}">
-        <p14:creationId xmlns:p14="http://schemas.microsoft.com/office/powerpoint/2010/main" val="2638336838"/>
-      </p:ext>
-    </p:extLst>
-  </p:cSld>
-  <p:clrMapOvr>
-    <a:masterClrMapping/>
-  </p:clrMapOvr>
-</p:sld>
-</file>
-
 <file path=ppt/slides/slide24.xml><?xml version="1.0" encoding="utf-8"?>
 <p:sld xmlns:a="http://schemas.openxmlformats.org/drawingml/2006/main" xmlns:r="http://schemas.openxmlformats.org/officeDocument/2006/relationships" xmlns:p="http://schemas.openxmlformats.org/presentationml/2006/main">
   <p:cSld>
@@ -16263,7 +16276,7 @@
           <p:cNvPr id="2" name="Title 1">
             <a:extLst>
               <a:ext uri="{FF2B5EF4-FFF2-40B4-BE49-F238E27FC236}">
-                <a16:creationId xmlns:a16="http://schemas.microsoft.com/office/drawing/2014/main" id="{BE317390-5FA4-4147-B4E6-92340516119D}"/>
+                <a16:creationId xmlns:a16="http://schemas.microsoft.com/office/drawing/2014/main" id="{0037B73C-C529-476A-B4A5-326691E05071}"/>
               </a:ext>
             </a:extLst>
           </p:cNvPr>
@@ -16282,15 +16295,8 @@
           <a:lstStyle/>
           <a:p>
             <a:r>
-              <a:rPr lang="en-US" sz="1800" dirty="0"/>
+              <a:rPr lang="en-US" dirty="0"/>
               <a:t>IV. Conclusion: Model’s Relevance</a:t>
-            </a:r>
-            <a:br>
-              <a:rPr lang="en-US" dirty="0"/>
-            </a:br>
-            <a:r>
-              <a:rPr lang="en-US" dirty="0"/>
-              <a:t>Random Forest Regressor</a:t>
             </a:r>
           </a:p>
         </p:txBody>
@@ -16300,7 +16306,7 @@
           <p:cNvPr id="3" name="Text Placeholder 2">
             <a:extLst>
               <a:ext uri="{FF2B5EF4-FFF2-40B4-BE49-F238E27FC236}">
-                <a16:creationId xmlns:a16="http://schemas.microsoft.com/office/drawing/2014/main" id="{808F7911-2743-41EE-B6F3-6561FC8372D9}"/>
+                <a16:creationId xmlns:a16="http://schemas.microsoft.com/office/drawing/2014/main" id="{4CFB5C0B-B2D7-4BB9-919E-E9B56CE58B14}"/>
               </a:ext>
             </a:extLst>
           </p:cNvPr>
@@ -16311,192 +16317,89 @@
             <p:ph type="body" idx="1"/>
           </p:nvPr>
         </p:nvSpPr>
-        <p:spPr>
-          <a:xfrm>
-            <a:off x="2256467" y="1706485"/>
-            <a:ext cx="3992732" cy="576262"/>
-          </a:xfrm>
-        </p:spPr>
+        <p:spPr/>
         <p:txBody>
           <a:bodyPr/>
           <a:lstStyle/>
           <a:p>
-            <a:r>
-              <a:rPr lang="en-US" b="1" dirty="0"/>
-              <a:t>Strengths</a:t>
-            </a:r>
-          </a:p>
-        </p:txBody>
-      </p:sp>
-      <p:sp>
-        <p:nvSpPr>
-          <p:cNvPr id="4" name="Content Placeholder 3">
+            <a:endParaRPr lang="en-US" dirty="0"/>
+          </a:p>
+        </p:txBody>
+      </p:sp>
+      <p:sp>
+        <p:nvSpPr>
+          <p:cNvPr id="4" name="Rectangle 3">
             <a:extLst>
               <a:ext uri="{FF2B5EF4-FFF2-40B4-BE49-F238E27FC236}">
-                <a16:creationId xmlns:a16="http://schemas.microsoft.com/office/drawing/2014/main" id="{6DAD2357-61C8-44C0-BB1D-1C6030198406}"/>
+                <a16:creationId xmlns:a16="http://schemas.microsoft.com/office/drawing/2014/main" id="{398385F8-1930-4A00-B50B-E2F1CDBDBFEA}"/>
               </a:ext>
             </a:extLst>
           </p:cNvPr>
-          <p:cNvSpPr>
-            <a:spLocks noGrp="1"/>
-          </p:cNvSpPr>
-          <p:nvPr>
-            <p:ph sz="half" idx="2"/>
-          </p:nvPr>
+          <p:cNvSpPr/>
+          <p:nvPr/>
         </p:nvSpPr>
         <p:spPr>
           <a:xfrm>
-            <a:off x="1906306" y="2282748"/>
-            <a:ext cx="4342893" cy="3354060"/>
-          </a:xfrm>
-        </p:spPr>
-        <p:txBody>
-          <a:bodyPr/>
-          <a:lstStyle/>
-          <a:p>
-            <a:r>
-              <a:rPr lang="en-US" dirty="0"/>
-              <a:t>Consistently outperforms all other models in most cases</a:t>
-            </a:r>
-          </a:p>
-          <a:p>
-            <a:r>
-              <a:rPr lang="en-US" dirty="0"/>
-              <a:t>Potential to perform above 90% accuracy</a:t>
-            </a:r>
-          </a:p>
-          <a:p>
-            <a:r>
-              <a:rPr lang="en-US" dirty="0"/>
-              <a:t>Low variance in cross-validation</a:t>
-            </a:r>
-          </a:p>
-          <a:p>
-            <a:r>
-              <a:rPr lang="en-US" dirty="0"/>
-              <a:t>Does not generate as many significant outliers in predictions</a:t>
-            </a:r>
-          </a:p>
-        </p:txBody>
-      </p:sp>
-      <p:sp>
-        <p:nvSpPr>
-          <p:cNvPr id="5" name="Text Placeholder 4">
-            <a:extLst>
-              <a:ext uri="{FF2B5EF4-FFF2-40B4-BE49-F238E27FC236}">
-                <a16:creationId xmlns:a16="http://schemas.microsoft.com/office/drawing/2014/main" id="{2B5798F4-313D-4DF8-85D5-5458094F4889}"/>
-              </a:ext>
-            </a:extLst>
-          </p:cNvPr>
-          <p:cNvSpPr>
-            <a:spLocks noGrp="1"/>
-          </p:cNvSpPr>
-          <p:nvPr>
-            <p:ph type="body" sz="quarter" idx="3"/>
-          </p:nvPr>
-        </p:nvSpPr>
-        <p:spPr>
-          <a:xfrm>
-            <a:off x="6823723" y="1703257"/>
-            <a:ext cx="3999001" cy="576262"/>
-          </a:xfrm>
-        </p:spPr>
-        <p:txBody>
-          <a:bodyPr/>
-          <a:lstStyle/>
-          <a:p>
-            <a:r>
-              <a:rPr lang="en-US" b="1" dirty="0"/>
-              <a:t>Weaknesses</a:t>
-            </a:r>
-          </a:p>
-        </p:txBody>
-      </p:sp>
-      <p:sp>
-        <p:nvSpPr>
-          <p:cNvPr id="6" name="Content Placeholder 5">
-            <a:extLst>
-              <a:ext uri="{FF2B5EF4-FFF2-40B4-BE49-F238E27FC236}">
-                <a16:creationId xmlns:a16="http://schemas.microsoft.com/office/drawing/2014/main" id="{C8530698-8433-4C18-882B-81254FC7E3DF}"/>
-              </a:ext>
-            </a:extLst>
-          </p:cNvPr>
-          <p:cNvSpPr>
-            <a:spLocks noGrp="1"/>
-          </p:cNvSpPr>
-          <p:nvPr>
-            <p:ph sz="quarter" idx="4"/>
-          </p:nvPr>
-        </p:nvSpPr>
-        <p:spPr>
-          <a:xfrm>
-            <a:off x="6484051" y="2279520"/>
-            <a:ext cx="4338674" cy="3354060"/>
-          </a:xfrm>
-        </p:spPr>
-        <p:txBody>
-          <a:bodyPr/>
-          <a:lstStyle/>
-          <a:p>
-            <a:r>
-              <a:rPr lang="en-US" dirty="0"/>
-              <a:t>Provides less insight into the model reasoning</a:t>
-            </a:r>
-          </a:p>
-          <a:p>
-            <a:r>
-              <a:rPr lang="en-US" dirty="0"/>
-              <a:t>Relatively slower model when compared to Ridge or Lasso</a:t>
-            </a:r>
-          </a:p>
-          <a:p>
-            <a:endParaRPr lang="en-US" dirty="0"/>
-          </a:p>
-        </p:txBody>
-      </p:sp>
-      <p:sp>
-        <p:nvSpPr>
-          <p:cNvPr id="7" name="TextBox 6">
-            <a:extLst>
-              <a:ext uri="{FF2B5EF4-FFF2-40B4-BE49-F238E27FC236}">
-                <a16:creationId xmlns:a16="http://schemas.microsoft.com/office/drawing/2014/main" id="{719B0D6C-A564-4FA2-80A2-8535B1166F8A}"/>
-              </a:ext>
-            </a:extLst>
-          </p:cNvPr>
-          <p:cNvSpPr txBox="1"/>
-          <p:nvPr/>
-        </p:nvSpPr>
-        <p:spPr>
-          <a:xfrm>
-            <a:off x="2256467" y="5072232"/>
-            <a:ext cx="8345943" cy="923330"/>
+            <a:off x="6096000" y="1758210"/>
+            <a:ext cx="6096000" cy="3139321"/>
           </a:xfrm>
           <a:prstGeom prst="rect">
             <a:avLst/>
           </a:prstGeom>
-          <a:noFill/>
         </p:spPr>
         <p:txBody>
-          <a:bodyPr wrap="square" rtlCol="0">
+          <a:bodyPr>
             <a:spAutoFit/>
           </a:bodyPr>
           <a:lstStyle/>
           <a:p>
             <a:r>
-              <a:rPr lang="en-US" b="1" dirty="0"/>
-              <a:t>Conclusion</a:t>
-            </a:r>
-            <a:r>
               <a:rPr lang="en-US" dirty="0"/>
-              <a:t>: Being above our aforementioned goal of 85%, we may confidently provide the home buyer or seller in Ames, Iowa, with a model that would enable them to make informed pricing decisions. </a:t>
-            </a:r>
+              <a:t>I. Introduction to House Prices</a:t>
+            </a:r>
+          </a:p>
+          <a:p>
+            <a:r>
+              <a:rPr lang="en-US" dirty="0"/>
+              <a:t>II. Presenting the Research Question</a:t>
+            </a:r>
+          </a:p>
+          <a:p>
+            <a:r>
+              <a:rPr lang="en-US" dirty="0"/>
+              <a:t>III. Addressing the Research Question</a:t>
+            </a:r>
+          </a:p>
+          <a:p>
+            <a:endParaRPr lang="en-US" dirty="0"/>
+          </a:p>
+          <a:p>
+            <a:endParaRPr lang="en-US" dirty="0"/>
+          </a:p>
+          <a:p>
+            <a:endParaRPr lang="en-US" dirty="0"/>
+          </a:p>
+          <a:p>
+            <a:endParaRPr lang="en-US" dirty="0"/>
+          </a:p>
+          <a:p>
+            <a:endParaRPr lang="en-US" dirty="0"/>
+          </a:p>
+          <a:p>
+            <a:endParaRPr lang="en-US" dirty="0"/>
+          </a:p>
+          <a:p>
+            <a:endParaRPr lang="en-US" dirty="0"/>
+          </a:p>
+          <a:p>
+            <a:endParaRPr lang="en-US" dirty="0"/>
           </a:p>
         </p:txBody>
       </p:sp>
     </p:spTree>
     <p:extLst>
       <p:ext uri="{BB962C8B-B14F-4D97-AF65-F5344CB8AC3E}">
-        <p14:creationId xmlns:p14="http://schemas.microsoft.com/office/powerpoint/2010/main" val="3817953295"/>
+        <p14:creationId xmlns:p14="http://schemas.microsoft.com/office/powerpoint/2010/main" val="2638336838"/>
       </p:ext>
     </p:extLst>
   </p:cSld>
@@ -16528,6 +16431,271 @@
           <p:cNvPr id="2" name="Title 1">
             <a:extLst>
               <a:ext uri="{FF2B5EF4-FFF2-40B4-BE49-F238E27FC236}">
+                <a16:creationId xmlns:a16="http://schemas.microsoft.com/office/drawing/2014/main" id="{BE317390-5FA4-4147-B4E6-92340516119D}"/>
+              </a:ext>
+            </a:extLst>
+          </p:cNvPr>
+          <p:cNvSpPr>
+            <a:spLocks noGrp="1"/>
+          </p:cNvSpPr>
+          <p:nvPr>
+            <p:ph type="title"/>
+          </p:nvPr>
+        </p:nvSpPr>
+        <p:spPr/>
+        <p:txBody>
+          <a:bodyPr>
+            <a:normAutofit/>
+          </a:bodyPr>
+          <a:lstStyle/>
+          <a:p>
+            <a:r>
+              <a:rPr lang="en-US" sz="1800" dirty="0"/>
+              <a:t>IV. Conclusion: Model’s Relevance</a:t>
+            </a:r>
+            <a:br>
+              <a:rPr lang="en-US" dirty="0"/>
+            </a:br>
+            <a:r>
+              <a:rPr lang="en-US" dirty="0"/>
+              <a:t>Random Forest Regressor</a:t>
+            </a:r>
+          </a:p>
+        </p:txBody>
+      </p:sp>
+      <p:sp>
+        <p:nvSpPr>
+          <p:cNvPr id="3" name="Text Placeholder 2">
+            <a:extLst>
+              <a:ext uri="{FF2B5EF4-FFF2-40B4-BE49-F238E27FC236}">
+                <a16:creationId xmlns:a16="http://schemas.microsoft.com/office/drawing/2014/main" id="{808F7911-2743-41EE-B6F3-6561FC8372D9}"/>
+              </a:ext>
+            </a:extLst>
+          </p:cNvPr>
+          <p:cNvSpPr>
+            <a:spLocks noGrp="1"/>
+          </p:cNvSpPr>
+          <p:nvPr>
+            <p:ph type="body" idx="1"/>
+          </p:nvPr>
+        </p:nvSpPr>
+        <p:spPr>
+          <a:xfrm>
+            <a:off x="2256467" y="1706485"/>
+            <a:ext cx="3992732" cy="576262"/>
+          </a:xfrm>
+        </p:spPr>
+        <p:txBody>
+          <a:bodyPr/>
+          <a:lstStyle/>
+          <a:p>
+            <a:r>
+              <a:rPr lang="en-US" b="1" dirty="0"/>
+              <a:t>Strengths</a:t>
+            </a:r>
+          </a:p>
+        </p:txBody>
+      </p:sp>
+      <p:sp>
+        <p:nvSpPr>
+          <p:cNvPr id="4" name="Content Placeholder 3">
+            <a:extLst>
+              <a:ext uri="{FF2B5EF4-FFF2-40B4-BE49-F238E27FC236}">
+                <a16:creationId xmlns:a16="http://schemas.microsoft.com/office/drawing/2014/main" id="{6DAD2357-61C8-44C0-BB1D-1C6030198406}"/>
+              </a:ext>
+            </a:extLst>
+          </p:cNvPr>
+          <p:cNvSpPr>
+            <a:spLocks noGrp="1"/>
+          </p:cNvSpPr>
+          <p:nvPr>
+            <p:ph sz="half" idx="2"/>
+          </p:nvPr>
+        </p:nvSpPr>
+        <p:spPr>
+          <a:xfrm>
+            <a:off x="1906306" y="2282748"/>
+            <a:ext cx="4342893" cy="3354060"/>
+          </a:xfrm>
+        </p:spPr>
+        <p:txBody>
+          <a:bodyPr/>
+          <a:lstStyle/>
+          <a:p>
+            <a:r>
+              <a:rPr lang="en-US" dirty="0"/>
+              <a:t>Consistently outperforms all other models in most cases</a:t>
+            </a:r>
+          </a:p>
+          <a:p>
+            <a:r>
+              <a:rPr lang="en-US" dirty="0"/>
+              <a:t>Potential to perform above 90% accuracy</a:t>
+            </a:r>
+          </a:p>
+          <a:p>
+            <a:r>
+              <a:rPr lang="en-US" dirty="0"/>
+              <a:t>Low variance in cross-validation</a:t>
+            </a:r>
+          </a:p>
+          <a:p>
+            <a:r>
+              <a:rPr lang="en-US" dirty="0"/>
+              <a:t>Does not generate as many significant outliers in predictions</a:t>
+            </a:r>
+          </a:p>
+        </p:txBody>
+      </p:sp>
+      <p:sp>
+        <p:nvSpPr>
+          <p:cNvPr id="5" name="Text Placeholder 4">
+            <a:extLst>
+              <a:ext uri="{FF2B5EF4-FFF2-40B4-BE49-F238E27FC236}">
+                <a16:creationId xmlns:a16="http://schemas.microsoft.com/office/drawing/2014/main" id="{2B5798F4-313D-4DF8-85D5-5458094F4889}"/>
+              </a:ext>
+            </a:extLst>
+          </p:cNvPr>
+          <p:cNvSpPr>
+            <a:spLocks noGrp="1"/>
+          </p:cNvSpPr>
+          <p:nvPr>
+            <p:ph type="body" sz="quarter" idx="3"/>
+          </p:nvPr>
+        </p:nvSpPr>
+        <p:spPr>
+          <a:xfrm>
+            <a:off x="6823723" y="1703257"/>
+            <a:ext cx="3999001" cy="576262"/>
+          </a:xfrm>
+        </p:spPr>
+        <p:txBody>
+          <a:bodyPr/>
+          <a:lstStyle/>
+          <a:p>
+            <a:r>
+              <a:rPr lang="en-US" b="1" dirty="0"/>
+              <a:t>Weaknesses</a:t>
+            </a:r>
+          </a:p>
+        </p:txBody>
+      </p:sp>
+      <p:sp>
+        <p:nvSpPr>
+          <p:cNvPr id="6" name="Content Placeholder 5">
+            <a:extLst>
+              <a:ext uri="{FF2B5EF4-FFF2-40B4-BE49-F238E27FC236}">
+                <a16:creationId xmlns:a16="http://schemas.microsoft.com/office/drawing/2014/main" id="{C8530698-8433-4C18-882B-81254FC7E3DF}"/>
+              </a:ext>
+            </a:extLst>
+          </p:cNvPr>
+          <p:cNvSpPr>
+            <a:spLocks noGrp="1"/>
+          </p:cNvSpPr>
+          <p:nvPr>
+            <p:ph sz="quarter" idx="4"/>
+          </p:nvPr>
+        </p:nvSpPr>
+        <p:spPr>
+          <a:xfrm>
+            <a:off x="6484051" y="2279520"/>
+            <a:ext cx="4338674" cy="3354060"/>
+          </a:xfrm>
+        </p:spPr>
+        <p:txBody>
+          <a:bodyPr/>
+          <a:lstStyle/>
+          <a:p>
+            <a:r>
+              <a:rPr lang="en-US" dirty="0"/>
+              <a:t>Provides less insight into the model reasoning</a:t>
+            </a:r>
+          </a:p>
+          <a:p>
+            <a:r>
+              <a:rPr lang="en-US" dirty="0"/>
+              <a:t>Relatively slower model when compared to Ridge or Lasso</a:t>
+            </a:r>
+          </a:p>
+          <a:p>
+            <a:endParaRPr lang="en-US" dirty="0"/>
+          </a:p>
+        </p:txBody>
+      </p:sp>
+      <p:sp>
+        <p:nvSpPr>
+          <p:cNvPr id="7" name="TextBox 6">
+            <a:extLst>
+              <a:ext uri="{FF2B5EF4-FFF2-40B4-BE49-F238E27FC236}">
+                <a16:creationId xmlns:a16="http://schemas.microsoft.com/office/drawing/2014/main" id="{719B0D6C-A564-4FA2-80A2-8535B1166F8A}"/>
+              </a:ext>
+            </a:extLst>
+          </p:cNvPr>
+          <p:cNvSpPr txBox="1"/>
+          <p:nvPr/>
+        </p:nvSpPr>
+        <p:spPr>
+          <a:xfrm>
+            <a:off x="2256467" y="5072232"/>
+            <a:ext cx="8345943" cy="923330"/>
+          </a:xfrm>
+          <a:prstGeom prst="rect">
+            <a:avLst/>
+          </a:prstGeom>
+          <a:noFill/>
+        </p:spPr>
+        <p:txBody>
+          <a:bodyPr wrap="square" rtlCol="0">
+            <a:spAutoFit/>
+          </a:bodyPr>
+          <a:lstStyle/>
+          <a:p>
+            <a:r>
+              <a:rPr lang="en-US" b="1" dirty="0"/>
+              <a:t>Conclusion</a:t>
+            </a:r>
+            <a:r>
+              <a:rPr lang="en-US" dirty="0"/>
+              <a:t>: Being above our aforementioned goal of 85%, we may confidently provide the home buyer or seller in Ames, Iowa, with a model that would enable them to make informed pricing decisions. </a:t>
+            </a:r>
+          </a:p>
+        </p:txBody>
+      </p:sp>
+    </p:spTree>
+    <p:extLst>
+      <p:ext uri="{BB962C8B-B14F-4D97-AF65-F5344CB8AC3E}">
+        <p14:creationId xmlns:p14="http://schemas.microsoft.com/office/powerpoint/2010/main" val="3817953295"/>
+      </p:ext>
+    </p:extLst>
+  </p:cSld>
+  <p:clrMapOvr>
+    <a:masterClrMapping/>
+  </p:clrMapOvr>
+</p:sld>
+</file>
+
+<file path=ppt/slides/slide26.xml><?xml version="1.0" encoding="utf-8"?>
+<p:sld xmlns:a="http://schemas.openxmlformats.org/drawingml/2006/main" xmlns:r="http://schemas.openxmlformats.org/officeDocument/2006/relationships" xmlns:p="http://schemas.openxmlformats.org/presentationml/2006/main">
+  <p:cSld>
+    <p:spTree>
+      <p:nvGrpSpPr>
+        <p:cNvPr id="1" name=""/>
+        <p:cNvGrpSpPr/>
+        <p:nvPr/>
+      </p:nvGrpSpPr>
+      <p:grpSpPr>
+        <a:xfrm>
+          <a:off x="0" y="0"/>
+          <a:ext cx="0" cy="0"/>
+          <a:chOff x="0" y="0"/>
+          <a:chExt cx="0" cy="0"/>
+        </a:xfrm>
+      </p:grpSpPr>
+      <p:sp>
+        <p:nvSpPr>
+          <p:cNvPr id="2" name="Title 1">
+            <a:extLst>
+              <a:ext uri="{FF2B5EF4-FFF2-40B4-BE49-F238E27FC236}">
                 <a16:creationId xmlns:a16="http://schemas.microsoft.com/office/drawing/2014/main" id="{E5FDFCB5-0511-4975-BB3E-40648593CFA5}"/>
               </a:ext>
             </a:extLst>
@@ -16572,7 +16740,13 @@
           <a:bodyPr/>
           <a:lstStyle/>
           <a:p>
-            <a:endParaRPr lang="en-US"/>
+            <a:r>
+              <a:rPr lang="en-US" dirty="0">
+                <a:hlinkClick r:id="rId2"/>
+              </a:rPr>
+              <a:t>https://github.com/paulbenschmidt/predicting-house-prices</a:t>
+            </a:r>
+            <a:endParaRPr lang="en-US" dirty="0"/>
           </a:p>
         </p:txBody>
       </p:sp>
@@ -17027,1168 +17201,6 @@
           <a:chExt cx="0" cy="0"/>
         </a:xfrm>
       </p:grpSpPr>
-      <p:sp>
-        <p:nvSpPr>
-          <p:cNvPr id="2" name="Title 1">
-            <a:extLst>
-              <a:ext uri="{FF2B5EF4-FFF2-40B4-BE49-F238E27FC236}">
-                <a16:creationId xmlns:a16="http://schemas.microsoft.com/office/drawing/2014/main" id="{EF47C5C9-DCE6-4969-982D-AE673634C20E}"/>
-              </a:ext>
-            </a:extLst>
-          </p:cNvPr>
-          <p:cNvSpPr>
-            <a:spLocks noGrp="1"/>
-          </p:cNvSpPr>
-          <p:nvPr>
-            <p:ph type="title"/>
-          </p:nvPr>
-        </p:nvSpPr>
-        <p:spPr/>
-        <p:txBody>
-          <a:bodyPr/>
-          <a:lstStyle/>
-          <a:p>
-            <a:r>
-              <a:rPr lang="en-US" sz="1800" dirty="0"/>
-              <a:t>I. Introduction to Housing Prices</a:t>
-            </a:r>
-            <a:br>
-              <a:rPr lang="en-US" dirty="0"/>
-            </a:br>
-            <a:r>
-              <a:rPr lang="en-US" dirty="0"/>
-              <a:t>Information on Dataset</a:t>
-            </a:r>
-          </a:p>
-        </p:txBody>
-      </p:sp>
-      <p:sp>
-        <p:nvSpPr>
-          <p:cNvPr id="3" name="Content Placeholder 2">
-            <a:extLst>
-              <a:ext uri="{FF2B5EF4-FFF2-40B4-BE49-F238E27FC236}">
-                <a16:creationId xmlns:a16="http://schemas.microsoft.com/office/drawing/2014/main" id="{9B4107DF-B25B-485C-B1A5-0901B7FD2CD0}"/>
-              </a:ext>
-            </a:extLst>
-          </p:cNvPr>
-          <p:cNvSpPr>
-            <a:spLocks noGrp="1"/>
-          </p:cNvSpPr>
-          <p:nvPr>
-            <p:ph idx="1"/>
-          </p:nvPr>
-        </p:nvSpPr>
-        <p:spPr/>
-        <p:txBody>
-          <a:bodyPr>
-            <a:normAutofit/>
-          </a:bodyPr>
-          <a:lstStyle/>
-          <a:p>
-            <a:r>
-              <a:rPr lang="en-US" dirty="0"/>
-              <a:t>Using a dataset with information on 1460 residential homes in Ames, Iowa, our goal is to calculate the continuous variable of a house’s price by:</a:t>
-            </a:r>
-          </a:p>
-          <a:p>
-            <a:pPr lvl="1"/>
-            <a:r>
-              <a:rPr lang="en-US" dirty="0"/>
-              <a:t>Exploring the 79 explanatory variables</a:t>
-            </a:r>
-          </a:p>
-          <a:p>
-            <a:pPr lvl="2"/>
-            <a:r>
-              <a:rPr lang="en-US" dirty="0"/>
-              <a:t>Continuous:</a:t>
-            </a:r>
-          </a:p>
-          <a:p>
-            <a:pPr lvl="3"/>
-            <a:r>
-              <a:rPr lang="en-US" dirty="0"/>
-              <a:t>“</a:t>
-            </a:r>
-            <a:r>
-              <a:rPr lang="en-US" dirty="0" err="1"/>
-              <a:t>YearBuilt</a:t>
-            </a:r>
-            <a:r>
-              <a:rPr lang="en-US" dirty="0"/>
-              <a:t>”</a:t>
-            </a:r>
-          </a:p>
-          <a:p>
-            <a:pPr lvl="3"/>
-            <a:r>
-              <a:rPr lang="en-US" dirty="0"/>
-              <a:t>“</a:t>
-            </a:r>
-            <a:r>
-              <a:rPr lang="en-US" dirty="0" err="1"/>
-              <a:t>LotArea</a:t>
-            </a:r>
-            <a:r>
-              <a:rPr lang="en-US" dirty="0"/>
-              <a:t>” </a:t>
-            </a:r>
-          </a:p>
-          <a:p>
-            <a:pPr lvl="3"/>
-            <a:r>
-              <a:rPr lang="en-US" dirty="0"/>
-              <a:t>“</a:t>
-            </a:r>
-            <a:r>
-              <a:rPr lang="en-US" dirty="0" err="1"/>
-              <a:t>GrLivingArea</a:t>
-            </a:r>
-            <a:r>
-              <a:rPr lang="en-US" dirty="0"/>
-              <a:t>”</a:t>
-            </a:r>
-          </a:p>
-          <a:p>
-            <a:pPr lvl="2"/>
-            <a:r>
-              <a:rPr lang="en-US" dirty="0"/>
-              <a:t>Categorical:</a:t>
-            </a:r>
-          </a:p>
-          <a:p>
-            <a:pPr lvl="3"/>
-            <a:r>
-              <a:rPr lang="en-US" dirty="0"/>
-              <a:t>“Neighborhood”</a:t>
-            </a:r>
-          </a:p>
-          <a:p>
-            <a:pPr lvl="3"/>
-            <a:r>
-              <a:rPr lang="en-US" dirty="0"/>
-              <a:t>“</a:t>
-            </a:r>
-            <a:r>
-              <a:rPr lang="en-US" dirty="0" err="1"/>
-              <a:t>CentralAir</a:t>
-            </a:r>
-            <a:r>
-              <a:rPr lang="en-US" dirty="0"/>
-              <a:t>”</a:t>
-            </a:r>
-          </a:p>
-          <a:p>
-            <a:pPr lvl="3"/>
-            <a:r>
-              <a:rPr lang="en-US" dirty="0"/>
-              <a:t>“</a:t>
-            </a:r>
-            <a:r>
-              <a:rPr lang="en-US" dirty="0" err="1"/>
-              <a:t>GarageQual</a:t>
-            </a:r>
-            <a:r>
-              <a:rPr lang="en-US" dirty="0"/>
-              <a:t>”</a:t>
-            </a:r>
-          </a:p>
-          <a:p>
-            <a:pPr lvl="1"/>
-            <a:endParaRPr lang="en-US" dirty="0"/>
-          </a:p>
-        </p:txBody>
-      </p:sp>
-      <p:sp>
-        <p:nvSpPr>
-          <p:cNvPr id="4" name="TextBox 3">
-            <a:extLst>
-              <a:ext uri="{FF2B5EF4-FFF2-40B4-BE49-F238E27FC236}">
-                <a16:creationId xmlns:a16="http://schemas.microsoft.com/office/drawing/2014/main" id="{9065D232-EB25-40F7-82AB-B1929E0C7A84}"/>
-              </a:ext>
-            </a:extLst>
-          </p:cNvPr>
-          <p:cNvSpPr txBox="1"/>
-          <p:nvPr/>
-        </p:nvSpPr>
-        <p:spPr>
-          <a:xfrm>
-            <a:off x="5695950" y="3198298"/>
-            <a:ext cx="1748790" cy="3139321"/>
-          </a:xfrm>
-          <a:prstGeom prst="rect">
-            <a:avLst/>
-          </a:prstGeom>
-          <a:noFill/>
-        </p:spPr>
-        <p:txBody>
-          <a:bodyPr wrap="square" rtlCol="0">
-            <a:spAutoFit/>
-          </a:bodyPr>
-          <a:lstStyle/>
-          <a:p>
-            <a:r>
-              <a:rPr lang="en-US" sz="600" dirty="0" err="1"/>
-              <a:t>SalePrice</a:t>
-            </a:r>
-            <a:r>
-              <a:rPr lang="en-US" sz="600" dirty="0"/>
-              <a:t> - the property's sale price in dollars (</a:t>
-            </a:r>
-            <a:r>
-              <a:rPr lang="en-US" sz="600" b="1" dirty="0"/>
-              <a:t>target variable</a:t>
-            </a:r>
-            <a:r>
-              <a:rPr lang="en-US" sz="600" dirty="0"/>
-              <a:t>)</a:t>
-            </a:r>
-          </a:p>
-          <a:p>
-            <a:r>
-              <a:rPr lang="en-US" sz="600" dirty="0" err="1"/>
-              <a:t>MSSubClass</a:t>
-            </a:r>
-            <a:r>
-              <a:rPr lang="en-US" sz="600" dirty="0"/>
-              <a:t>: The building class</a:t>
-            </a:r>
-          </a:p>
-          <a:p>
-            <a:r>
-              <a:rPr lang="en-US" sz="600" dirty="0" err="1"/>
-              <a:t>MSZoning</a:t>
-            </a:r>
-            <a:r>
-              <a:rPr lang="en-US" sz="600" dirty="0"/>
-              <a:t>: The general zoning classification</a:t>
-            </a:r>
-          </a:p>
-          <a:p>
-            <a:r>
-              <a:rPr lang="en-US" sz="600" dirty="0" err="1"/>
-              <a:t>LotFrontage</a:t>
-            </a:r>
-            <a:r>
-              <a:rPr lang="en-US" sz="600" dirty="0"/>
-              <a:t>: Linear feet of street connected to property (259 </a:t>
-            </a:r>
-            <a:r>
-              <a:rPr lang="en-US" sz="600" dirty="0" err="1"/>
-              <a:t>NaN</a:t>
-            </a:r>
-            <a:r>
-              <a:rPr lang="en-US" sz="600" dirty="0"/>
-              <a:t> values)</a:t>
-            </a:r>
-          </a:p>
-          <a:p>
-            <a:r>
-              <a:rPr lang="en-US" sz="600" dirty="0" err="1"/>
-              <a:t>LotArea</a:t>
-            </a:r>
-            <a:r>
-              <a:rPr lang="en-US" sz="600" dirty="0"/>
-              <a:t>: Lot size in square feet</a:t>
-            </a:r>
-          </a:p>
-          <a:p>
-            <a:r>
-              <a:rPr lang="en-US" sz="600" dirty="0"/>
-              <a:t>Street: Type of road access</a:t>
-            </a:r>
-          </a:p>
-          <a:p>
-            <a:r>
-              <a:rPr lang="en-US" sz="600" dirty="0"/>
-              <a:t>Alley: Type of alley access (1369 </a:t>
-            </a:r>
-            <a:r>
-              <a:rPr lang="en-US" sz="600" dirty="0" err="1"/>
-              <a:t>NaN</a:t>
-            </a:r>
-            <a:r>
-              <a:rPr lang="en-US" sz="600" dirty="0"/>
-              <a:t> values)</a:t>
-            </a:r>
-          </a:p>
-          <a:p>
-            <a:r>
-              <a:rPr lang="en-US" sz="600" dirty="0" err="1"/>
-              <a:t>LotShape</a:t>
-            </a:r>
-            <a:r>
-              <a:rPr lang="en-US" sz="600" dirty="0"/>
-              <a:t>: General shape of property</a:t>
-            </a:r>
-          </a:p>
-          <a:p>
-            <a:r>
-              <a:rPr lang="en-US" sz="600" dirty="0" err="1"/>
-              <a:t>LandContour</a:t>
-            </a:r>
-            <a:r>
-              <a:rPr lang="en-US" sz="600" dirty="0"/>
-              <a:t>: Flatness of the property</a:t>
-            </a:r>
-          </a:p>
-          <a:p>
-            <a:r>
-              <a:rPr lang="en-US" sz="600" dirty="0"/>
-              <a:t>Utilities: Type of utilities available</a:t>
-            </a:r>
-          </a:p>
-          <a:p>
-            <a:r>
-              <a:rPr lang="en-US" sz="600" dirty="0" err="1"/>
-              <a:t>LotConfig</a:t>
-            </a:r>
-            <a:r>
-              <a:rPr lang="en-US" sz="600" dirty="0"/>
-              <a:t>: Lot configuration</a:t>
-            </a:r>
-          </a:p>
-          <a:p>
-            <a:r>
-              <a:rPr lang="en-US" sz="600" dirty="0" err="1"/>
-              <a:t>LandSlope</a:t>
-            </a:r>
-            <a:r>
-              <a:rPr lang="en-US" sz="600" dirty="0"/>
-              <a:t>: Slope of property</a:t>
-            </a:r>
-          </a:p>
-          <a:p>
-            <a:r>
-              <a:rPr lang="en-US" sz="600" dirty="0"/>
-              <a:t>Neighborhood: Physical locations within Ames city limits</a:t>
-            </a:r>
-          </a:p>
-          <a:p>
-            <a:r>
-              <a:rPr lang="en-US" sz="600" dirty="0"/>
-              <a:t>Condition1: Proximity to main road or railroad</a:t>
-            </a:r>
-          </a:p>
-          <a:p>
-            <a:r>
-              <a:rPr lang="en-US" sz="600" dirty="0"/>
-              <a:t>Condition2: Proximity to main road or railroad (if a second is present)</a:t>
-            </a:r>
-          </a:p>
-          <a:p>
-            <a:r>
-              <a:rPr lang="en-US" sz="600" dirty="0" err="1"/>
-              <a:t>BldgType</a:t>
-            </a:r>
-            <a:r>
-              <a:rPr lang="en-US" sz="600" dirty="0"/>
-              <a:t>: Type of dwelling</a:t>
-            </a:r>
-          </a:p>
-          <a:p>
-            <a:r>
-              <a:rPr lang="en-US" sz="600" dirty="0" err="1"/>
-              <a:t>HouseStyle</a:t>
-            </a:r>
-            <a:r>
-              <a:rPr lang="en-US" sz="600" dirty="0"/>
-              <a:t>: Style of dwelling</a:t>
-            </a:r>
-          </a:p>
-          <a:p>
-            <a:r>
-              <a:rPr lang="en-US" sz="600" dirty="0" err="1"/>
-              <a:t>OverallQual</a:t>
-            </a:r>
-            <a:r>
-              <a:rPr lang="en-US" sz="600" dirty="0"/>
-              <a:t>: Overall material and finish quality</a:t>
-            </a:r>
-          </a:p>
-          <a:p>
-            <a:r>
-              <a:rPr lang="en-US" sz="600" dirty="0" err="1"/>
-              <a:t>OverallCond</a:t>
-            </a:r>
-            <a:r>
-              <a:rPr lang="en-US" sz="600" dirty="0"/>
-              <a:t>: Overall condition rating</a:t>
-            </a:r>
-          </a:p>
-          <a:p>
-            <a:r>
-              <a:rPr lang="en-US" sz="600" dirty="0" err="1"/>
-              <a:t>YearBuilt</a:t>
-            </a:r>
-            <a:r>
-              <a:rPr lang="en-US" sz="600" dirty="0"/>
-              <a:t>: Original construction date</a:t>
-            </a:r>
-          </a:p>
-          <a:p>
-            <a:r>
-              <a:rPr lang="en-US" sz="600" dirty="0" err="1"/>
-              <a:t>YearRemodAdd</a:t>
-            </a:r>
-            <a:r>
-              <a:rPr lang="en-US" sz="600" dirty="0"/>
-              <a:t>: Remodel date</a:t>
-            </a:r>
-          </a:p>
-          <a:p>
-            <a:r>
-              <a:rPr lang="en-US" sz="600" dirty="0" err="1"/>
-              <a:t>RoofStyle</a:t>
-            </a:r>
-            <a:r>
-              <a:rPr lang="en-US" sz="600" dirty="0"/>
-              <a:t>: Type of roof</a:t>
-            </a:r>
-          </a:p>
-          <a:p>
-            <a:r>
-              <a:rPr lang="en-US" sz="600" dirty="0" err="1"/>
-              <a:t>RoofMatl</a:t>
-            </a:r>
-            <a:r>
-              <a:rPr lang="en-US" sz="600" dirty="0"/>
-              <a:t>: Roof material</a:t>
-            </a:r>
-          </a:p>
-          <a:p>
-            <a:r>
-              <a:rPr lang="en-US" sz="600" dirty="0"/>
-              <a:t>Exterior1st: Exterior covering on house</a:t>
-            </a:r>
-          </a:p>
-          <a:p>
-            <a:endParaRPr lang="en-US" sz="600" dirty="0"/>
-          </a:p>
-        </p:txBody>
-      </p:sp>
-      <p:sp>
-        <p:nvSpPr>
-          <p:cNvPr id="5" name="TextBox 4">
-            <a:extLst>
-              <a:ext uri="{FF2B5EF4-FFF2-40B4-BE49-F238E27FC236}">
-                <a16:creationId xmlns:a16="http://schemas.microsoft.com/office/drawing/2014/main" id="{31EB03B3-2B93-45EC-B3D3-592E9C004562}"/>
-              </a:ext>
-            </a:extLst>
-          </p:cNvPr>
-          <p:cNvSpPr txBox="1"/>
-          <p:nvPr/>
-        </p:nvSpPr>
-        <p:spPr>
-          <a:xfrm>
-            <a:off x="7267575" y="3198298"/>
-            <a:ext cx="1748790" cy="3139321"/>
-          </a:xfrm>
-          <a:prstGeom prst="rect">
-            <a:avLst/>
-          </a:prstGeom>
-          <a:noFill/>
-        </p:spPr>
-        <p:txBody>
-          <a:bodyPr wrap="square" rtlCol="0">
-            <a:spAutoFit/>
-          </a:bodyPr>
-          <a:lstStyle/>
-          <a:p>
-            <a:r>
-              <a:rPr lang="en-US" sz="600" dirty="0"/>
-              <a:t>Exterior2nd: Exterior covering on house (if more than one material)</a:t>
-            </a:r>
-          </a:p>
-          <a:p>
-            <a:r>
-              <a:rPr lang="en-US" sz="600" dirty="0" err="1"/>
-              <a:t>MasVnrType</a:t>
-            </a:r>
-            <a:r>
-              <a:rPr lang="en-US" sz="600" dirty="0"/>
-              <a:t>: Masonry veneer type - (8 </a:t>
-            </a:r>
-            <a:r>
-              <a:rPr lang="en-US" sz="600" dirty="0" err="1"/>
-              <a:t>NaN</a:t>
-            </a:r>
-            <a:r>
-              <a:rPr lang="en-US" sz="600" dirty="0"/>
-              <a:t> values)</a:t>
-            </a:r>
-          </a:p>
-          <a:p>
-            <a:r>
-              <a:rPr lang="en-US" sz="600" dirty="0" err="1"/>
-              <a:t>MasVnrArea</a:t>
-            </a:r>
-            <a:r>
-              <a:rPr lang="en-US" sz="600" dirty="0"/>
-              <a:t>: Masonry veneer area in square feet - (8 </a:t>
-            </a:r>
-            <a:r>
-              <a:rPr lang="en-US" sz="600" dirty="0" err="1"/>
-              <a:t>NaN</a:t>
-            </a:r>
-            <a:r>
-              <a:rPr lang="en-US" sz="600" dirty="0"/>
-              <a:t> values)</a:t>
-            </a:r>
-          </a:p>
-          <a:p>
-            <a:r>
-              <a:rPr lang="en-US" sz="600" dirty="0" err="1"/>
-              <a:t>ExterQual</a:t>
-            </a:r>
-            <a:r>
-              <a:rPr lang="en-US" sz="600" dirty="0"/>
-              <a:t>: Exterior material quality</a:t>
-            </a:r>
-          </a:p>
-          <a:p>
-            <a:r>
-              <a:rPr lang="en-US" sz="600" dirty="0" err="1"/>
-              <a:t>ExterCond</a:t>
-            </a:r>
-            <a:r>
-              <a:rPr lang="en-US" sz="600" dirty="0"/>
-              <a:t>: Present condition of the material on the exterior</a:t>
-            </a:r>
-          </a:p>
-          <a:p>
-            <a:r>
-              <a:rPr lang="en-US" sz="600" dirty="0"/>
-              <a:t>Foundation: Type of foundation</a:t>
-            </a:r>
-          </a:p>
-          <a:p>
-            <a:r>
-              <a:rPr lang="en-US" sz="600" dirty="0" err="1"/>
-              <a:t>BsmtQual</a:t>
-            </a:r>
-            <a:r>
-              <a:rPr lang="en-US" sz="600" dirty="0"/>
-              <a:t>: Height of the basement (37 </a:t>
-            </a:r>
-            <a:r>
-              <a:rPr lang="en-US" sz="600" dirty="0" err="1"/>
-              <a:t>NaN</a:t>
-            </a:r>
-            <a:r>
-              <a:rPr lang="en-US" sz="600" dirty="0"/>
-              <a:t> values)</a:t>
-            </a:r>
-          </a:p>
-          <a:p>
-            <a:r>
-              <a:rPr lang="en-US" sz="600" dirty="0" err="1"/>
-              <a:t>BsmtCond</a:t>
-            </a:r>
-            <a:r>
-              <a:rPr lang="en-US" sz="600" dirty="0"/>
-              <a:t>: General condition of the basement (37 </a:t>
-            </a:r>
-            <a:r>
-              <a:rPr lang="en-US" sz="600" dirty="0" err="1"/>
-              <a:t>NaN</a:t>
-            </a:r>
-            <a:r>
-              <a:rPr lang="en-US" sz="600" dirty="0"/>
-              <a:t> values)</a:t>
-            </a:r>
-          </a:p>
-          <a:p>
-            <a:r>
-              <a:rPr lang="en-US" sz="600" dirty="0" err="1"/>
-              <a:t>BsmtExposure</a:t>
-            </a:r>
-            <a:r>
-              <a:rPr lang="en-US" sz="600" dirty="0"/>
-              <a:t>: Walkout or garden level basement walls (38 </a:t>
-            </a:r>
-            <a:r>
-              <a:rPr lang="en-US" sz="600" dirty="0" err="1"/>
-              <a:t>NaN</a:t>
-            </a:r>
-            <a:r>
-              <a:rPr lang="en-US" sz="600" dirty="0"/>
-              <a:t> values)</a:t>
-            </a:r>
-          </a:p>
-          <a:p>
-            <a:r>
-              <a:rPr lang="en-US" sz="600" dirty="0"/>
-              <a:t>BsmtFinType1: Quality of basement finished area (37 </a:t>
-            </a:r>
-            <a:r>
-              <a:rPr lang="en-US" sz="600" dirty="0" err="1"/>
-              <a:t>NaN</a:t>
-            </a:r>
-            <a:r>
-              <a:rPr lang="en-US" sz="600" dirty="0"/>
-              <a:t> values)</a:t>
-            </a:r>
-          </a:p>
-          <a:p>
-            <a:r>
-              <a:rPr lang="en-US" sz="600" dirty="0"/>
-              <a:t>BsmtFinSF1: Type 1 finished square feet</a:t>
-            </a:r>
-          </a:p>
-          <a:p>
-            <a:r>
-              <a:rPr lang="en-US" sz="600" dirty="0"/>
-              <a:t>BsmtFinType2: Quality of second finished area (if present) (37 </a:t>
-            </a:r>
-            <a:r>
-              <a:rPr lang="en-US" sz="600" dirty="0" err="1"/>
-              <a:t>NaN</a:t>
-            </a:r>
-            <a:r>
-              <a:rPr lang="en-US" sz="600" dirty="0"/>
-              <a:t> values)</a:t>
-            </a:r>
-          </a:p>
-          <a:p>
-            <a:r>
-              <a:rPr lang="en-US" sz="600" dirty="0"/>
-              <a:t>BsmtFinSF2: Type 2 finished square feet</a:t>
-            </a:r>
-          </a:p>
-          <a:p>
-            <a:r>
-              <a:rPr lang="en-US" sz="600" dirty="0" err="1"/>
-              <a:t>BsmtUnfSF</a:t>
-            </a:r>
-            <a:r>
-              <a:rPr lang="en-US" sz="600" dirty="0"/>
-              <a:t>: Unfinished square feet of basement area</a:t>
-            </a:r>
-          </a:p>
-          <a:p>
-            <a:r>
-              <a:rPr lang="en-US" sz="600" dirty="0" err="1"/>
-              <a:t>TotalBsmtSF</a:t>
-            </a:r>
-            <a:r>
-              <a:rPr lang="en-US" sz="600" dirty="0"/>
-              <a:t>: Total square feet of basement area</a:t>
-            </a:r>
-          </a:p>
-          <a:p>
-            <a:r>
-              <a:rPr lang="en-US" sz="600" dirty="0"/>
-              <a:t>Heating: Type of heating</a:t>
-            </a:r>
-          </a:p>
-          <a:p>
-            <a:r>
-              <a:rPr lang="en-US" sz="600" dirty="0" err="1"/>
-              <a:t>HeatingQC</a:t>
-            </a:r>
-            <a:r>
-              <a:rPr lang="en-US" sz="600" dirty="0"/>
-              <a:t>: Heating quality and condition</a:t>
-            </a:r>
-          </a:p>
-          <a:p>
-            <a:r>
-              <a:rPr lang="en-US" sz="600" dirty="0" err="1"/>
-              <a:t>CentralAir</a:t>
-            </a:r>
-            <a:r>
-              <a:rPr lang="en-US" sz="600" dirty="0"/>
-              <a:t>: Central air conditioning</a:t>
-            </a:r>
-          </a:p>
-          <a:p>
-            <a:r>
-              <a:rPr lang="en-US" sz="600" dirty="0"/>
-              <a:t>Electrical: Electrical system (1 </a:t>
-            </a:r>
-            <a:r>
-              <a:rPr lang="en-US" sz="600" dirty="0" err="1"/>
-              <a:t>NaN</a:t>
-            </a:r>
-            <a:r>
-              <a:rPr lang="en-US" sz="600" dirty="0"/>
-              <a:t> value)</a:t>
-            </a:r>
-          </a:p>
-          <a:p>
-            <a:r>
-              <a:rPr lang="en-US" sz="600" dirty="0"/>
-              <a:t>1stFlrSF: First Floor square feet</a:t>
-            </a:r>
-          </a:p>
-          <a:p>
-            <a:r>
-              <a:rPr lang="en-US" sz="600" dirty="0"/>
-              <a:t>2ndFlrSF: Second floor square feet</a:t>
-            </a:r>
-          </a:p>
-        </p:txBody>
-      </p:sp>
-      <p:sp>
-        <p:nvSpPr>
-          <p:cNvPr id="6" name="TextBox 5">
-            <a:extLst>
-              <a:ext uri="{FF2B5EF4-FFF2-40B4-BE49-F238E27FC236}">
-                <a16:creationId xmlns:a16="http://schemas.microsoft.com/office/drawing/2014/main" id="{A17974E1-0DBB-493B-9D94-7AA6B632A33A}"/>
-              </a:ext>
-            </a:extLst>
-          </p:cNvPr>
-          <p:cNvSpPr txBox="1"/>
-          <p:nvPr/>
-        </p:nvSpPr>
-        <p:spPr>
-          <a:xfrm>
-            <a:off x="8924925" y="3198298"/>
-            <a:ext cx="1748790" cy="3139321"/>
-          </a:xfrm>
-          <a:prstGeom prst="rect">
-            <a:avLst/>
-          </a:prstGeom>
-          <a:noFill/>
-        </p:spPr>
-        <p:txBody>
-          <a:bodyPr wrap="square" rtlCol="0">
-            <a:spAutoFit/>
-          </a:bodyPr>
-          <a:lstStyle/>
-          <a:p>
-            <a:r>
-              <a:rPr lang="en-US" sz="600" dirty="0" err="1"/>
-              <a:t>LowQualFinSF</a:t>
-            </a:r>
-            <a:r>
-              <a:rPr lang="en-US" sz="600" dirty="0"/>
-              <a:t>: Low quality finished square feet (all floors)</a:t>
-            </a:r>
-          </a:p>
-          <a:p>
-            <a:r>
-              <a:rPr lang="en-US" sz="600" dirty="0" err="1"/>
-              <a:t>GrLivArea</a:t>
-            </a:r>
-            <a:r>
-              <a:rPr lang="en-US" sz="600" dirty="0"/>
-              <a:t>: Above grade (ground) living area square feet</a:t>
-            </a:r>
-          </a:p>
-          <a:p>
-            <a:r>
-              <a:rPr lang="en-US" sz="600" dirty="0" err="1"/>
-              <a:t>BsmtFullBath</a:t>
-            </a:r>
-            <a:r>
-              <a:rPr lang="en-US" sz="600" dirty="0"/>
-              <a:t>: Basement full bathrooms</a:t>
-            </a:r>
-          </a:p>
-          <a:p>
-            <a:r>
-              <a:rPr lang="en-US" sz="600" dirty="0" err="1"/>
-              <a:t>BsmtHalfBath</a:t>
-            </a:r>
-            <a:r>
-              <a:rPr lang="en-US" sz="600" dirty="0"/>
-              <a:t>: Basement half bathrooms</a:t>
-            </a:r>
-          </a:p>
-          <a:p>
-            <a:r>
-              <a:rPr lang="en-US" sz="600" dirty="0" err="1"/>
-              <a:t>FullBath</a:t>
-            </a:r>
-            <a:r>
-              <a:rPr lang="en-US" sz="600" dirty="0"/>
-              <a:t>: Full bathrooms above grade</a:t>
-            </a:r>
-          </a:p>
-          <a:p>
-            <a:r>
-              <a:rPr lang="en-US" sz="600" dirty="0" err="1"/>
-              <a:t>HalfBath</a:t>
-            </a:r>
-            <a:r>
-              <a:rPr lang="en-US" sz="600" dirty="0"/>
-              <a:t>: Half baths above grade</a:t>
-            </a:r>
-          </a:p>
-          <a:p>
-            <a:r>
-              <a:rPr lang="en-US" sz="600" dirty="0"/>
-              <a:t>Bedroom: Number of bedrooms above basement level</a:t>
-            </a:r>
-          </a:p>
-          <a:p>
-            <a:r>
-              <a:rPr lang="en-US" sz="600" dirty="0"/>
-              <a:t>Kitchen: Number of kitchens</a:t>
-            </a:r>
-          </a:p>
-          <a:p>
-            <a:r>
-              <a:rPr lang="en-US" sz="600" dirty="0" err="1"/>
-              <a:t>KitchenQual</a:t>
-            </a:r>
-            <a:r>
-              <a:rPr lang="en-US" sz="600" dirty="0"/>
-              <a:t>: Kitchen quality</a:t>
-            </a:r>
-          </a:p>
-          <a:p>
-            <a:r>
-              <a:rPr lang="en-US" sz="600" dirty="0" err="1"/>
-              <a:t>TotRmsAbvGrd</a:t>
-            </a:r>
-            <a:r>
-              <a:rPr lang="en-US" sz="600" dirty="0"/>
-              <a:t>: Total rooms above grade (does not include bathrooms)</a:t>
-            </a:r>
-          </a:p>
-          <a:p>
-            <a:r>
-              <a:rPr lang="en-US" sz="600" dirty="0"/>
-              <a:t>Functional: Home functionality rating</a:t>
-            </a:r>
-          </a:p>
-          <a:p>
-            <a:r>
-              <a:rPr lang="en-US" sz="600" dirty="0"/>
-              <a:t>Fireplaces: Number of fireplaces</a:t>
-            </a:r>
-          </a:p>
-          <a:p>
-            <a:r>
-              <a:rPr lang="en-US" sz="600" dirty="0" err="1"/>
-              <a:t>FireplaceQu</a:t>
-            </a:r>
-            <a:r>
-              <a:rPr lang="en-US" sz="600" dirty="0"/>
-              <a:t>: Fireplace quality (690 </a:t>
-            </a:r>
-            <a:r>
-              <a:rPr lang="en-US" sz="600" dirty="0" err="1"/>
-              <a:t>NaN</a:t>
-            </a:r>
-            <a:r>
-              <a:rPr lang="en-US" sz="600" dirty="0"/>
-              <a:t> values)</a:t>
-            </a:r>
-          </a:p>
-          <a:p>
-            <a:r>
-              <a:rPr lang="en-US" sz="600" dirty="0" err="1"/>
-              <a:t>GarageType</a:t>
-            </a:r>
-            <a:r>
-              <a:rPr lang="en-US" sz="600" dirty="0"/>
-              <a:t>: Garage location (81 </a:t>
-            </a:r>
-            <a:r>
-              <a:rPr lang="en-US" sz="600" dirty="0" err="1"/>
-              <a:t>NaN</a:t>
-            </a:r>
-            <a:r>
-              <a:rPr lang="en-US" sz="600" dirty="0"/>
-              <a:t> values)</a:t>
-            </a:r>
-          </a:p>
-          <a:p>
-            <a:r>
-              <a:rPr lang="en-US" sz="600" dirty="0" err="1"/>
-              <a:t>GarageYrBlt</a:t>
-            </a:r>
-            <a:r>
-              <a:rPr lang="en-US" sz="600" dirty="0"/>
-              <a:t>: Year garage was built (81 </a:t>
-            </a:r>
-            <a:r>
-              <a:rPr lang="en-US" sz="600" dirty="0" err="1"/>
-              <a:t>NaN</a:t>
-            </a:r>
-            <a:r>
-              <a:rPr lang="en-US" sz="600" dirty="0"/>
-              <a:t> values)</a:t>
-            </a:r>
-          </a:p>
-          <a:p>
-            <a:r>
-              <a:rPr lang="en-US" sz="600" dirty="0" err="1"/>
-              <a:t>GarageFinish</a:t>
-            </a:r>
-            <a:r>
-              <a:rPr lang="en-US" sz="600" dirty="0"/>
-              <a:t>: Interior finish of the garage (81 </a:t>
-            </a:r>
-            <a:r>
-              <a:rPr lang="en-US" sz="600" dirty="0" err="1"/>
-              <a:t>NaN</a:t>
-            </a:r>
-            <a:r>
-              <a:rPr lang="en-US" sz="600" dirty="0"/>
-              <a:t> values)</a:t>
-            </a:r>
-          </a:p>
-          <a:p>
-            <a:r>
-              <a:rPr lang="en-US" sz="600" dirty="0" err="1"/>
-              <a:t>GarageCars</a:t>
-            </a:r>
-            <a:r>
-              <a:rPr lang="en-US" sz="600" dirty="0"/>
-              <a:t>: Size of garage in car capacity</a:t>
-            </a:r>
-          </a:p>
-          <a:p>
-            <a:r>
-              <a:rPr lang="en-US" sz="600" dirty="0" err="1"/>
-              <a:t>GarageArea</a:t>
-            </a:r>
-            <a:r>
-              <a:rPr lang="en-US" sz="600" dirty="0"/>
-              <a:t>: Size of garage in square feet</a:t>
-            </a:r>
-          </a:p>
-          <a:p>
-            <a:r>
-              <a:rPr lang="en-US" sz="600" dirty="0" err="1"/>
-              <a:t>GarageQual</a:t>
-            </a:r>
-            <a:r>
-              <a:rPr lang="en-US" sz="600" dirty="0"/>
-              <a:t>: Garage quality (81 </a:t>
-            </a:r>
-            <a:r>
-              <a:rPr lang="en-US" sz="600" dirty="0" err="1"/>
-              <a:t>NaN</a:t>
-            </a:r>
-            <a:r>
-              <a:rPr lang="en-US" sz="600" dirty="0"/>
-              <a:t> values)</a:t>
-            </a:r>
-          </a:p>
-          <a:p>
-            <a:r>
-              <a:rPr lang="en-US" sz="600" dirty="0" err="1"/>
-              <a:t>GarageCond</a:t>
-            </a:r>
-            <a:r>
-              <a:rPr lang="en-US" sz="600" dirty="0"/>
-              <a:t>: Garage condition (81 </a:t>
-            </a:r>
-            <a:r>
-              <a:rPr lang="en-US" sz="600" dirty="0" err="1"/>
-              <a:t>NaN</a:t>
-            </a:r>
-            <a:r>
-              <a:rPr lang="en-US" sz="600" dirty="0"/>
-              <a:t> values)</a:t>
-            </a:r>
-          </a:p>
-          <a:p>
-            <a:endParaRPr lang="en-US" sz="600" dirty="0"/>
-          </a:p>
-        </p:txBody>
-      </p:sp>
-      <p:sp>
-        <p:nvSpPr>
-          <p:cNvPr id="7" name="TextBox 6">
-            <a:extLst>
-              <a:ext uri="{FF2B5EF4-FFF2-40B4-BE49-F238E27FC236}">
-                <a16:creationId xmlns:a16="http://schemas.microsoft.com/office/drawing/2014/main" id="{471BFE93-F664-4D7D-BCBB-090D15AF7AF3}"/>
-              </a:ext>
-            </a:extLst>
-          </p:cNvPr>
-          <p:cNvSpPr txBox="1"/>
-          <p:nvPr/>
-        </p:nvSpPr>
-        <p:spPr>
-          <a:xfrm>
-            <a:off x="10587989" y="3198298"/>
-            <a:ext cx="1489711" cy="3000821"/>
-          </a:xfrm>
-          <a:prstGeom prst="rect">
-            <a:avLst/>
-          </a:prstGeom>
-          <a:noFill/>
-        </p:spPr>
-        <p:txBody>
-          <a:bodyPr wrap="square" rtlCol="0">
-            <a:spAutoFit/>
-          </a:bodyPr>
-          <a:lstStyle/>
-          <a:p>
-            <a:r>
-              <a:rPr lang="en-US" sz="700" dirty="0" err="1"/>
-              <a:t>PavedDrive</a:t>
-            </a:r>
-            <a:r>
-              <a:rPr lang="en-US" sz="700" dirty="0"/>
-              <a:t>: Paved driveway</a:t>
-            </a:r>
-          </a:p>
-          <a:p>
-            <a:r>
-              <a:rPr lang="en-US" sz="700" dirty="0" err="1"/>
-              <a:t>WoodDeckSF</a:t>
-            </a:r>
-            <a:r>
-              <a:rPr lang="en-US" sz="700" dirty="0"/>
-              <a:t>: Wood deck area in square feet</a:t>
-            </a:r>
-          </a:p>
-          <a:p>
-            <a:r>
-              <a:rPr lang="en-US" sz="700" dirty="0" err="1"/>
-              <a:t>OpenPorchSF</a:t>
-            </a:r>
-            <a:r>
-              <a:rPr lang="en-US" sz="700" dirty="0"/>
-              <a:t>: Open porch area in square feet</a:t>
-            </a:r>
-          </a:p>
-          <a:p>
-            <a:r>
-              <a:rPr lang="en-US" sz="700" dirty="0" err="1"/>
-              <a:t>EnclosedPorch</a:t>
-            </a:r>
-            <a:r>
-              <a:rPr lang="en-US" sz="700" dirty="0"/>
-              <a:t>: Enclosed porch area in square feet</a:t>
-            </a:r>
-          </a:p>
-          <a:p>
-            <a:r>
-              <a:rPr lang="en-US" sz="700" dirty="0"/>
-              <a:t>3SsnPorch: Three season porch area in square feet</a:t>
-            </a:r>
-          </a:p>
-          <a:p>
-            <a:r>
-              <a:rPr lang="en-US" sz="700" dirty="0" err="1"/>
-              <a:t>ScreenPorch</a:t>
-            </a:r>
-            <a:r>
-              <a:rPr lang="en-US" sz="700" dirty="0"/>
-              <a:t>: Screen porch area in square feet</a:t>
-            </a:r>
-          </a:p>
-          <a:p>
-            <a:r>
-              <a:rPr lang="en-US" sz="700" dirty="0" err="1"/>
-              <a:t>PoolArea</a:t>
-            </a:r>
-            <a:r>
-              <a:rPr lang="en-US" sz="700" dirty="0"/>
-              <a:t>: Pool area in square feet</a:t>
-            </a:r>
-          </a:p>
-          <a:p>
-            <a:r>
-              <a:rPr lang="en-US" sz="700" dirty="0" err="1"/>
-              <a:t>PoolQC</a:t>
-            </a:r>
-            <a:r>
-              <a:rPr lang="en-US" sz="700" dirty="0"/>
-              <a:t>: Pool quality (1453 </a:t>
-            </a:r>
-            <a:r>
-              <a:rPr lang="en-US" sz="700" dirty="0" err="1"/>
-              <a:t>NaN</a:t>
-            </a:r>
-            <a:r>
-              <a:rPr lang="en-US" sz="700" dirty="0"/>
-              <a:t> values)</a:t>
-            </a:r>
-          </a:p>
-          <a:p>
-            <a:r>
-              <a:rPr lang="en-US" sz="700" dirty="0"/>
-              <a:t>Fence: Fence quality (1179 </a:t>
-            </a:r>
-            <a:r>
-              <a:rPr lang="en-US" sz="700" dirty="0" err="1"/>
-              <a:t>NaN</a:t>
-            </a:r>
-            <a:r>
-              <a:rPr lang="en-US" sz="700" dirty="0"/>
-              <a:t> values)</a:t>
-            </a:r>
-          </a:p>
-          <a:p>
-            <a:r>
-              <a:rPr lang="en-US" sz="700" dirty="0" err="1"/>
-              <a:t>MiscFeature</a:t>
-            </a:r>
-            <a:r>
-              <a:rPr lang="en-US" sz="700" dirty="0"/>
-              <a:t>: Miscellaneous feature not covered in other categories (1406 </a:t>
-            </a:r>
-            <a:r>
-              <a:rPr lang="en-US" sz="700" dirty="0" err="1"/>
-              <a:t>NaN</a:t>
-            </a:r>
-            <a:r>
-              <a:rPr lang="en-US" sz="700" dirty="0"/>
-              <a:t> values)</a:t>
-            </a:r>
-          </a:p>
-          <a:p>
-            <a:r>
-              <a:rPr lang="en-US" sz="700" dirty="0" err="1"/>
-              <a:t>MiscVal</a:t>
-            </a:r>
-            <a:r>
-              <a:rPr lang="en-US" sz="700" dirty="0"/>
-              <a:t>: $Value of miscellaneous feature</a:t>
-            </a:r>
-          </a:p>
-          <a:p>
-            <a:r>
-              <a:rPr lang="en-US" sz="700" dirty="0" err="1"/>
-              <a:t>MoSold</a:t>
-            </a:r>
-            <a:r>
-              <a:rPr lang="en-US" sz="700" dirty="0"/>
-              <a:t>: Month Sold</a:t>
-            </a:r>
-          </a:p>
-          <a:p>
-            <a:r>
-              <a:rPr lang="en-US" sz="700" dirty="0" err="1"/>
-              <a:t>YrSold</a:t>
-            </a:r>
-            <a:r>
-              <a:rPr lang="en-US" sz="700" dirty="0"/>
-              <a:t>: Year Sold</a:t>
-            </a:r>
-          </a:p>
-          <a:p>
-            <a:r>
-              <a:rPr lang="en-US" sz="700" dirty="0" err="1"/>
-              <a:t>SaleType</a:t>
-            </a:r>
-            <a:r>
-              <a:rPr lang="en-US" sz="700" dirty="0"/>
-              <a:t>: Type of sale</a:t>
-            </a:r>
-          </a:p>
-          <a:p>
-            <a:r>
-              <a:rPr lang="en-US" sz="700" dirty="0" err="1"/>
-              <a:t>SaleCondition</a:t>
-            </a:r>
-            <a:r>
-              <a:rPr lang="en-US" sz="700" dirty="0"/>
-              <a:t>: Condition of sale</a:t>
-            </a:r>
-          </a:p>
-        </p:txBody>
-      </p:sp>
       <p:pic>
         <p:nvPicPr>
           <p:cNvPr id="8" name="Picture 7">
@@ -18219,6 +17231,75 @@
           </a:prstGeom>
         </p:spPr>
       </p:pic>
+      <p:sp>
+        <p:nvSpPr>
+          <p:cNvPr id="2" name="Title 1">
+            <a:extLst>
+              <a:ext uri="{FF2B5EF4-FFF2-40B4-BE49-F238E27FC236}">
+                <a16:creationId xmlns:a16="http://schemas.microsoft.com/office/drawing/2014/main" id="{EF47C5C9-DCE6-4969-982D-AE673634C20E}"/>
+              </a:ext>
+            </a:extLst>
+          </p:cNvPr>
+          <p:cNvSpPr>
+            <a:spLocks noGrp="1"/>
+          </p:cNvSpPr>
+          <p:nvPr>
+            <p:ph type="title"/>
+          </p:nvPr>
+        </p:nvSpPr>
+        <p:spPr/>
+        <p:txBody>
+          <a:bodyPr/>
+          <a:lstStyle/>
+          <a:p>
+            <a:r>
+              <a:rPr lang="en-US" sz="1800" dirty="0"/>
+              <a:t>I. Introduction to Housing Prices</a:t>
+            </a:r>
+            <a:br>
+              <a:rPr lang="en-US" dirty="0"/>
+            </a:br>
+            <a:r>
+              <a:rPr lang="en-US" dirty="0"/>
+              <a:t>Information on Dataset</a:t>
+            </a:r>
+          </a:p>
+        </p:txBody>
+      </p:sp>
+      <p:sp>
+        <p:nvSpPr>
+          <p:cNvPr id="3" name="Content Placeholder 2">
+            <a:extLst>
+              <a:ext uri="{FF2B5EF4-FFF2-40B4-BE49-F238E27FC236}">
+                <a16:creationId xmlns:a16="http://schemas.microsoft.com/office/drawing/2014/main" id="{9B4107DF-B25B-485C-B1A5-0901B7FD2CD0}"/>
+              </a:ext>
+            </a:extLst>
+          </p:cNvPr>
+          <p:cNvSpPr>
+            <a:spLocks noGrp="1"/>
+          </p:cNvSpPr>
+          <p:nvPr>
+            <p:ph idx="1"/>
+          </p:nvPr>
+        </p:nvSpPr>
+        <p:spPr/>
+        <p:txBody>
+          <a:bodyPr>
+            <a:normAutofit/>
+          </a:bodyPr>
+          <a:lstStyle/>
+          <a:p>
+            <a:r>
+              <a:rPr lang="en-US" dirty="0"/>
+              <a:t>Using a dataset with information on 1460 residential homes in Ames, Iowa, our goal is to calculate the continuous variable of a house’s price by:</a:t>
+            </a:r>
+          </a:p>
+          <a:p>
+            <a:pPr lvl="1"/>
+            <a:endParaRPr lang="en-US" dirty="0"/>
+          </a:p>
+        </p:txBody>
+      </p:sp>
     </p:spTree>
     <p:extLst>
       <p:ext uri="{BB962C8B-B14F-4D97-AF65-F5344CB8AC3E}">
@@ -18233,6 +17314,1198 @@
 </file>
 
 <file path=ppt/slides/slide7.xml><?xml version="1.0" encoding="utf-8"?>
+<p:sld xmlns:a="http://schemas.openxmlformats.org/drawingml/2006/main" xmlns:r="http://schemas.openxmlformats.org/officeDocument/2006/relationships" xmlns:p="http://schemas.openxmlformats.org/presentationml/2006/main">
+  <p:cSld>
+    <p:spTree>
+      <p:nvGrpSpPr>
+        <p:cNvPr id="1" name=""/>
+        <p:cNvGrpSpPr/>
+        <p:nvPr/>
+      </p:nvGrpSpPr>
+      <p:grpSpPr>
+        <a:xfrm>
+          <a:off x="0" y="0"/>
+          <a:ext cx="0" cy="0"/>
+          <a:chOff x="0" y="0"/>
+          <a:chExt cx="0" cy="0"/>
+        </a:xfrm>
+      </p:grpSpPr>
+      <p:sp>
+        <p:nvSpPr>
+          <p:cNvPr id="2" name="Title 1">
+            <a:extLst>
+              <a:ext uri="{FF2B5EF4-FFF2-40B4-BE49-F238E27FC236}">
+                <a16:creationId xmlns:a16="http://schemas.microsoft.com/office/drawing/2014/main" id="{EF47C5C9-DCE6-4969-982D-AE673634C20E}"/>
+              </a:ext>
+            </a:extLst>
+          </p:cNvPr>
+          <p:cNvSpPr>
+            <a:spLocks noGrp="1"/>
+          </p:cNvSpPr>
+          <p:nvPr>
+            <p:ph type="title"/>
+          </p:nvPr>
+        </p:nvSpPr>
+        <p:spPr/>
+        <p:txBody>
+          <a:bodyPr/>
+          <a:lstStyle/>
+          <a:p>
+            <a:r>
+              <a:rPr lang="en-US" sz="1800" dirty="0"/>
+              <a:t>I. Introduction to Housing Prices</a:t>
+            </a:r>
+            <a:br>
+              <a:rPr lang="en-US" dirty="0"/>
+            </a:br>
+            <a:r>
+              <a:rPr lang="en-US" dirty="0"/>
+              <a:t>Information on Dataset</a:t>
+            </a:r>
+          </a:p>
+        </p:txBody>
+      </p:sp>
+      <p:sp>
+        <p:nvSpPr>
+          <p:cNvPr id="3" name="Content Placeholder 2">
+            <a:extLst>
+              <a:ext uri="{FF2B5EF4-FFF2-40B4-BE49-F238E27FC236}">
+                <a16:creationId xmlns:a16="http://schemas.microsoft.com/office/drawing/2014/main" id="{9B4107DF-B25B-485C-B1A5-0901B7FD2CD0}"/>
+              </a:ext>
+            </a:extLst>
+          </p:cNvPr>
+          <p:cNvSpPr>
+            <a:spLocks noGrp="1"/>
+          </p:cNvSpPr>
+          <p:nvPr>
+            <p:ph idx="1"/>
+          </p:nvPr>
+        </p:nvSpPr>
+        <p:spPr/>
+        <p:txBody>
+          <a:bodyPr>
+            <a:normAutofit/>
+          </a:bodyPr>
+          <a:lstStyle/>
+          <a:p>
+            <a:r>
+              <a:rPr lang="en-US" dirty="0"/>
+              <a:t>Using a dataset with information on 1460 residential homes in Ames, Iowa, our goal is to calculate the continuous variable of a house’s price by:</a:t>
+            </a:r>
+          </a:p>
+          <a:p>
+            <a:pPr lvl="1"/>
+            <a:r>
+              <a:rPr lang="en-US" dirty="0"/>
+              <a:t>Exploring the 79 explanatory variables</a:t>
+            </a:r>
+          </a:p>
+          <a:p>
+            <a:pPr lvl="2"/>
+            <a:r>
+              <a:rPr lang="en-US" dirty="0"/>
+              <a:t>Continuous:</a:t>
+            </a:r>
+          </a:p>
+          <a:p>
+            <a:pPr lvl="3"/>
+            <a:r>
+              <a:rPr lang="en-US" dirty="0"/>
+              <a:t>“</a:t>
+            </a:r>
+            <a:r>
+              <a:rPr lang="en-US" dirty="0" err="1"/>
+              <a:t>YearBuilt</a:t>
+            </a:r>
+            <a:r>
+              <a:rPr lang="en-US" dirty="0"/>
+              <a:t>”</a:t>
+            </a:r>
+          </a:p>
+          <a:p>
+            <a:pPr lvl="3"/>
+            <a:r>
+              <a:rPr lang="en-US" dirty="0"/>
+              <a:t>“</a:t>
+            </a:r>
+            <a:r>
+              <a:rPr lang="en-US" dirty="0" err="1"/>
+              <a:t>LotArea</a:t>
+            </a:r>
+            <a:r>
+              <a:rPr lang="en-US" dirty="0"/>
+              <a:t>” </a:t>
+            </a:r>
+          </a:p>
+          <a:p>
+            <a:pPr lvl="3"/>
+            <a:r>
+              <a:rPr lang="en-US" dirty="0"/>
+              <a:t>“</a:t>
+            </a:r>
+            <a:r>
+              <a:rPr lang="en-US" dirty="0" err="1"/>
+              <a:t>GrLivingArea</a:t>
+            </a:r>
+            <a:r>
+              <a:rPr lang="en-US" dirty="0"/>
+              <a:t>”</a:t>
+            </a:r>
+          </a:p>
+          <a:p>
+            <a:pPr lvl="2"/>
+            <a:r>
+              <a:rPr lang="en-US" dirty="0"/>
+              <a:t>Categorical:</a:t>
+            </a:r>
+          </a:p>
+          <a:p>
+            <a:pPr lvl="3"/>
+            <a:r>
+              <a:rPr lang="en-US" dirty="0"/>
+              <a:t>“Neighborhood”</a:t>
+            </a:r>
+          </a:p>
+          <a:p>
+            <a:pPr lvl="3"/>
+            <a:r>
+              <a:rPr lang="en-US" dirty="0"/>
+              <a:t>“</a:t>
+            </a:r>
+            <a:r>
+              <a:rPr lang="en-US" dirty="0" err="1"/>
+              <a:t>CentralAir</a:t>
+            </a:r>
+            <a:r>
+              <a:rPr lang="en-US" dirty="0"/>
+              <a:t>”</a:t>
+            </a:r>
+          </a:p>
+          <a:p>
+            <a:pPr lvl="3"/>
+            <a:r>
+              <a:rPr lang="en-US" dirty="0"/>
+              <a:t>“</a:t>
+            </a:r>
+            <a:r>
+              <a:rPr lang="en-US" dirty="0" err="1"/>
+              <a:t>GarageQual</a:t>
+            </a:r>
+            <a:r>
+              <a:rPr lang="en-US" dirty="0"/>
+              <a:t>”</a:t>
+            </a:r>
+          </a:p>
+          <a:p>
+            <a:pPr lvl="1"/>
+            <a:endParaRPr lang="en-US" dirty="0"/>
+          </a:p>
+        </p:txBody>
+      </p:sp>
+      <p:sp>
+        <p:nvSpPr>
+          <p:cNvPr id="4" name="TextBox 3">
+            <a:extLst>
+              <a:ext uri="{FF2B5EF4-FFF2-40B4-BE49-F238E27FC236}">
+                <a16:creationId xmlns:a16="http://schemas.microsoft.com/office/drawing/2014/main" id="{9065D232-EB25-40F7-82AB-B1929E0C7A84}"/>
+              </a:ext>
+            </a:extLst>
+          </p:cNvPr>
+          <p:cNvSpPr txBox="1"/>
+          <p:nvPr/>
+        </p:nvSpPr>
+        <p:spPr>
+          <a:xfrm>
+            <a:off x="5695950" y="3198298"/>
+            <a:ext cx="1748790" cy="3139321"/>
+          </a:xfrm>
+          <a:prstGeom prst="rect">
+            <a:avLst/>
+          </a:prstGeom>
+          <a:noFill/>
+        </p:spPr>
+        <p:txBody>
+          <a:bodyPr wrap="square" rtlCol="0">
+            <a:spAutoFit/>
+          </a:bodyPr>
+          <a:lstStyle/>
+          <a:p>
+            <a:r>
+              <a:rPr lang="en-US" sz="600" dirty="0" err="1"/>
+              <a:t>SalePrice</a:t>
+            </a:r>
+            <a:r>
+              <a:rPr lang="en-US" sz="600" dirty="0"/>
+              <a:t> - the property's sale price in dollars (</a:t>
+            </a:r>
+            <a:r>
+              <a:rPr lang="en-US" sz="600" b="1" dirty="0"/>
+              <a:t>target variable</a:t>
+            </a:r>
+            <a:r>
+              <a:rPr lang="en-US" sz="600" dirty="0"/>
+              <a:t>)</a:t>
+            </a:r>
+          </a:p>
+          <a:p>
+            <a:r>
+              <a:rPr lang="en-US" sz="600" dirty="0" err="1"/>
+              <a:t>MSSubClass</a:t>
+            </a:r>
+            <a:r>
+              <a:rPr lang="en-US" sz="600" dirty="0"/>
+              <a:t>: The building class</a:t>
+            </a:r>
+          </a:p>
+          <a:p>
+            <a:r>
+              <a:rPr lang="en-US" sz="600" dirty="0" err="1"/>
+              <a:t>MSZoning</a:t>
+            </a:r>
+            <a:r>
+              <a:rPr lang="en-US" sz="600" dirty="0"/>
+              <a:t>: The general zoning classification</a:t>
+            </a:r>
+          </a:p>
+          <a:p>
+            <a:r>
+              <a:rPr lang="en-US" sz="600" dirty="0" err="1"/>
+              <a:t>LotFrontage</a:t>
+            </a:r>
+            <a:r>
+              <a:rPr lang="en-US" sz="600" dirty="0"/>
+              <a:t>: Linear feet of street connected to property (259 </a:t>
+            </a:r>
+            <a:r>
+              <a:rPr lang="en-US" sz="600" dirty="0" err="1"/>
+              <a:t>NaN</a:t>
+            </a:r>
+            <a:r>
+              <a:rPr lang="en-US" sz="600" dirty="0"/>
+              <a:t> values)</a:t>
+            </a:r>
+          </a:p>
+          <a:p>
+            <a:r>
+              <a:rPr lang="en-US" sz="600" dirty="0" err="1"/>
+              <a:t>LotArea</a:t>
+            </a:r>
+            <a:r>
+              <a:rPr lang="en-US" sz="600" dirty="0"/>
+              <a:t>: Lot size in square feet</a:t>
+            </a:r>
+          </a:p>
+          <a:p>
+            <a:r>
+              <a:rPr lang="en-US" sz="600" dirty="0"/>
+              <a:t>Street: Type of road access</a:t>
+            </a:r>
+          </a:p>
+          <a:p>
+            <a:r>
+              <a:rPr lang="en-US" sz="600" dirty="0"/>
+              <a:t>Alley: Type of alley access (1369 </a:t>
+            </a:r>
+            <a:r>
+              <a:rPr lang="en-US" sz="600" dirty="0" err="1"/>
+              <a:t>NaN</a:t>
+            </a:r>
+            <a:r>
+              <a:rPr lang="en-US" sz="600" dirty="0"/>
+              <a:t> values)</a:t>
+            </a:r>
+          </a:p>
+          <a:p>
+            <a:r>
+              <a:rPr lang="en-US" sz="600" dirty="0" err="1"/>
+              <a:t>LotShape</a:t>
+            </a:r>
+            <a:r>
+              <a:rPr lang="en-US" sz="600" dirty="0"/>
+              <a:t>: General shape of property</a:t>
+            </a:r>
+          </a:p>
+          <a:p>
+            <a:r>
+              <a:rPr lang="en-US" sz="600" dirty="0" err="1"/>
+              <a:t>LandContour</a:t>
+            </a:r>
+            <a:r>
+              <a:rPr lang="en-US" sz="600" dirty="0"/>
+              <a:t>: Flatness of the property</a:t>
+            </a:r>
+          </a:p>
+          <a:p>
+            <a:r>
+              <a:rPr lang="en-US" sz="600" dirty="0"/>
+              <a:t>Utilities: Type of utilities available</a:t>
+            </a:r>
+          </a:p>
+          <a:p>
+            <a:r>
+              <a:rPr lang="en-US" sz="600" dirty="0" err="1"/>
+              <a:t>LotConfig</a:t>
+            </a:r>
+            <a:r>
+              <a:rPr lang="en-US" sz="600" dirty="0"/>
+              <a:t>: Lot configuration</a:t>
+            </a:r>
+          </a:p>
+          <a:p>
+            <a:r>
+              <a:rPr lang="en-US" sz="600" dirty="0" err="1"/>
+              <a:t>LandSlope</a:t>
+            </a:r>
+            <a:r>
+              <a:rPr lang="en-US" sz="600" dirty="0"/>
+              <a:t>: Slope of property</a:t>
+            </a:r>
+          </a:p>
+          <a:p>
+            <a:r>
+              <a:rPr lang="en-US" sz="600" dirty="0"/>
+              <a:t>Neighborhood: Physical locations within Ames city limits</a:t>
+            </a:r>
+          </a:p>
+          <a:p>
+            <a:r>
+              <a:rPr lang="en-US" sz="600" dirty="0"/>
+              <a:t>Condition1: Proximity to main road or railroad</a:t>
+            </a:r>
+          </a:p>
+          <a:p>
+            <a:r>
+              <a:rPr lang="en-US" sz="600" dirty="0"/>
+              <a:t>Condition2: Proximity to main road or railroad (if a second is present)</a:t>
+            </a:r>
+          </a:p>
+          <a:p>
+            <a:r>
+              <a:rPr lang="en-US" sz="600" dirty="0" err="1"/>
+              <a:t>BldgType</a:t>
+            </a:r>
+            <a:r>
+              <a:rPr lang="en-US" sz="600" dirty="0"/>
+              <a:t>: Type of dwelling</a:t>
+            </a:r>
+          </a:p>
+          <a:p>
+            <a:r>
+              <a:rPr lang="en-US" sz="600" dirty="0" err="1"/>
+              <a:t>HouseStyle</a:t>
+            </a:r>
+            <a:r>
+              <a:rPr lang="en-US" sz="600" dirty="0"/>
+              <a:t>: Style of dwelling</a:t>
+            </a:r>
+          </a:p>
+          <a:p>
+            <a:r>
+              <a:rPr lang="en-US" sz="600" dirty="0" err="1"/>
+              <a:t>OverallQual</a:t>
+            </a:r>
+            <a:r>
+              <a:rPr lang="en-US" sz="600" dirty="0"/>
+              <a:t>: Overall material and finish quality</a:t>
+            </a:r>
+          </a:p>
+          <a:p>
+            <a:r>
+              <a:rPr lang="en-US" sz="600" dirty="0" err="1"/>
+              <a:t>OverallCond</a:t>
+            </a:r>
+            <a:r>
+              <a:rPr lang="en-US" sz="600" dirty="0"/>
+              <a:t>: Overall condition rating</a:t>
+            </a:r>
+          </a:p>
+          <a:p>
+            <a:r>
+              <a:rPr lang="en-US" sz="600" dirty="0" err="1"/>
+              <a:t>YearBuilt</a:t>
+            </a:r>
+            <a:r>
+              <a:rPr lang="en-US" sz="600" dirty="0"/>
+              <a:t>: Original construction date</a:t>
+            </a:r>
+          </a:p>
+          <a:p>
+            <a:r>
+              <a:rPr lang="en-US" sz="600" dirty="0" err="1"/>
+              <a:t>YearRemodAdd</a:t>
+            </a:r>
+            <a:r>
+              <a:rPr lang="en-US" sz="600" dirty="0"/>
+              <a:t>: Remodel date</a:t>
+            </a:r>
+          </a:p>
+          <a:p>
+            <a:r>
+              <a:rPr lang="en-US" sz="600" dirty="0" err="1"/>
+              <a:t>RoofStyle</a:t>
+            </a:r>
+            <a:r>
+              <a:rPr lang="en-US" sz="600" dirty="0"/>
+              <a:t>: Type of roof</a:t>
+            </a:r>
+          </a:p>
+          <a:p>
+            <a:r>
+              <a:rPr lang="en-US" sz="600" dirty="0" err="1"/>
+              <a:t>RoofMatl</a:t>
+            </a:r>
+            <a:r>
+              <a:rPr lang="en-US" sz="600" dirty="0"/>
+              <a:t>: Roof material</a:t>
+            </a:r>
+          </a:p>
+          <a:p>
+            <a:r>
+              <a:rPr lang="en-US" sz="600" dirty="0"/>
+              <a:t>Exterior1st: Exterior covering on house</a:t>
+            </a:r>
+          </a:p>
+          <a:p>
+            <a:endParaRPr lang="en-US" sz="600" dirty="0"/>
+          </a:p>
+        </p:txBody>
+      </p:sp>
+      <p:sp>
+        <p:nvSpPr>
+          <p:cNvPr id="5" name="TextBox 4">
+            <a:extLst>
+              <a:ext uri="{FF2B5EF4-FFF2-40B4-BE49-F238E27FC236}">
+                <a16:creationId xmlns:a16="http://schemas.microsoft.com/office/drawing/2014/main" id="{31EB03B3-2B93-45EC-B3D3-592E9C004562}"/>
+              </a:ext>
+            </a:extLst>
+          </p:cNvPr>
+          <p:cNvSpPr txBox="1"/>
+          <p:nvPr/>
+        </p:nvSpPr>
+        <p:spPr>
+          <a:xfrm>
+            <a:off x="7267575" y="3198298"/>
+            <a:ext cx="1748790" cy="3139321"/>
+          </a:xfrm>
+          <a:prstGeom prst="rect">
+            <a:avLst/>
+          </a:prstGeom>
+          <a:noFill/>
+        </p:spPr>
+        <p:txBody>
+          <a:bodyPr wrap="square" rtlCol="0">
+            <a:spAutoFit/>
+          </a:bodyPr>
+          <a:lstStyle/>
+          <a:p>
+            <a:r>
+              <a:rPr lang="en-US" sz="600" dirty="0"/>
+              <a:t>Exterior2nd: Exterior covering on house (if more than one material)</a:t>
+            </a:r>
+          </a:p>
+          <a:p>
+            <a:r>
+              <a:rPr lang="en-US" sz="600" dirty="0" err="1"/>
+              <a:t>MasVnrType</a:t>
+            </a:r>
+            <a:r>
+              <a:rPr lang="en-US" sz="600" dirty="0"/>
+              <a:t>: Masonry veneer type - (8 </a:t>
+            </a:r>
+            <a:r>
+              <a:rPr lang="en-US" sz="600" dirty="0" err="1"/>
+              <a:t>NaN</a:t>
+            </a:r>
+            <a:r>
+              <a:rPr lang="en-US" sz="600" dirty="0"/>
+              <a:t> values)</a:t>
+            </a:r>
+          </a:p>
+          <a:p>
+            <a:r>
+              <a:rPr lang="en-US" sz="600" dirty="0" err="1"/>
+              <a:t>MasVnrArea</a:t>
+            </a:r>
+            <a:r>
+              <a:rPr lang="en-US" sz="600" dirty="0"/>
+              <a:t>: Masonry veneer area in square feet - (8 </a:t>
+            </a:r>
+            <a:r>
+              <a:rPr lang="en-US" sz="600" dirty="0" err="1"/>
+              <a:t>NaN</a:t>
+            </a:r>
+            <a:r>
+              <a:rPr lang="en-US" sz="600" dirty="0"/>
+              <a:t> values)</a:t>
+            </a:r>
+          </a:p>
+          <a:p>
+            <a:r>
+              <a:rPr lang="en-US" sz="600" dirty="0" err="1"/>
+              <a:t>ExterQual</a:t>
+            </a:r>
+            <a:r>
+              <a:rPr lang="en-US" sz="600" dirty="0"/>
+              <a:t>: Exterior material quality</a:t>
+            </a:r>
+          </a:p>
+          <a:p>
+            <a:r>
+              <a:rPr lang="en-US" sz="600" dirty="0" err="1"/>
+              <a:t>ExterCond</a:t>
+            </a:r>
+            <a:r>
+              <a:rPr lang="en-US" sz="600" dirty="0"/>
+              <a:t>: Present condition of the material on the exterior</a:t>
+            </a:r>
+          </a:p>
+          <a:p>
+            <a:r>
+              <a:rPr lang="en-US" sz="600" dirty="0"/>
+              <a:t>Foundation: Type of foundation</a:t>
+            </a:r>
+          </a:p>
+          <a:p>
+            <a:r>
+              <a:rPr lang="en-US" sz="600" dirty="0" err="1"/>
+              <a:t>BsmtQual</a:t>
+            </a:r>
+            <a:r>
+              <a:rPr lang="en-US" sz="600" dirty="0"/>
+              <a:t>: Height of the basement (37 </a:t>
+            </a:r>
+            <a:r>
+              <a:rPr lang="en-US" sz="600" dirty="0" err="1"/>
+              <a:t>NaN</a:t>
+            </a:r>
+            <a:r>
+              <a:rPr lang="en-US" sz="600" dirty="0"/>
+              <a:t> values)</a:t>
+            </a:r>
+          </a:p>
+          <a:p>
+            <a:r>
+              <a:rPr lang="en-US" sz="600" dirty="0" err="1"/>
+              <a:t>BsmtCond</a:t>
+            </a:r>
+            <a:r>
+              <a:rPr lang="en-US" sz="600" dirty="0"/>
+              <a:t>: General condition of the basement (37 </a:t>
+            </a:r>
+            <a:r>
+              <a:rPr lang="en-US" sz="600" dirty="0" err="1"/>
+              <a:t>NaN</a:t>
+            </a:r>
+            <a:r>
+              <a:rPr lang="en-US" sz="600" dirty="0"/>
+              <a:t> values)</a:t>
+            </a:r>
+          </a:p>
+          <a:p>
+            <a:r>
+              <a:rPr lang="en-US" sz="600" dirty="0" err="1"/>
+              <a:t>BsmtExposure</a:t>
+            </a:r>
+            <a:r>
+              <a:rPr lang="en-US" sz="600" dirty="0"/>
+              <a:t>: Walkout or garden level basement walls (38 </a:t>
+            </a:r>
+            <a:r>
+              <a:rPr lang="en-US" sz="600" dirty="0" err="1"/>
+              <a:t>NaN</a:t>
+            </a:r>
+            <a:r>
+              <a:rPr lang="en-US" sz="600" dirty="0"/>
+              <a:t> values)</a:t>
+            </a:r>
+          </a:p>
+          <a:p>
+            <a:r>
+              <a:rPr lang="en-US" sz="600" dirty="0"/>
+              <a:t>BsmtFinType1: Quality of basement finished area (37 </a:t>
+            </a:r>
+            <a:r>
+              <a:rPr lang="en-US" sz="600" dirty="0" err="1"/>
+              <a:t>NaN</a:t>
+            </a:r>
+            <a:r>
+              <a:rPr lang="en-US" sz="600" dirty="0"/>
+              <a:t> values)</a:t>
+            </a:r>
+          </a:p>
+          <a:p>
+            <a:r>
+              <a:rPr lang="en-US" sz="600" dirty="0"/>
+              <a:t>BsmtFinSF1: Type 1 finished square feet</a:t>
+            </a:r>
+          </a:p>
+          <a:p>
+            <a:r>
+              <a:rPr lang="en-US" sz="600" dirty="0"/>
+              <a:t>BsmtFinType2: Quality of second finished area (if present) (37 </a:t>
+            </a:r>
+            <a:r>
+              <a:rPr lang="en-US" sz="600" dirty="0" err="1"/>
+              <a:t>NaN</a:t>
+            </a:r>
+            <a:r>
+              <a:rPr lang="en-US" sz="600" dirty="0"/>
+              <a:t> values)</a:t>
+            </a:r>
+          </a:p>
+          <a:p>
+            <a:r>
+              <a:rPr lang="en-US" sz="600" dirty="0"/>
+              <a:t>BsmtFinSF2: Type 2 finished square feet</a:t>
+            </a:r>
+          </a:p>
+          <a:p>
+            <a:r>
+              <a:rPr lang="en-US" sz="600" dirty="0" err="1"/>
+              <a:t>BsmtUnfSF</a:t>
+            </a:r>
+            <a:r>
+              <a:rPr lang="en-US" sz="600" dirty="0"/>
+              <a:t>: Unfinished square feet of basement area</a:t>
+            </a:r>
+          </a:p>
+          <a:p>
+            <a:r>
+              <a:rPr lang="en-US" sz="600" dirty="0" err="1"/>
+              <a:t>TotalBsmtSF</a:t>
+            </a:r>
+            <a:r>
+              <a:rPr lang="en-US" sz="600" dirty="0"/>
+              <a:t>: Total square feet of basement area</a:t>
+            </a:r>
+          </a:p>
+          <a:p>
+            <a:r>
+              <a:rPr lang="en-US" sz="600" dirty="0"/>
+              <a:t>Heating: Type of heating</a:t>
+            </a:r>
+          </a:p>
+          <a:p>
+            <a:r>
+              <a:rPr lang="en-US" sz="600" dirty="0" err="1"/>
+              <a:t>HeatingQC</a:t>
+            </a:r>
+            <a:r>
+              <a:rPr lang="en-US" sz="600" dirty="0"/>
+              <a:t>: Heating quality and condition</a:t>
+            </a:r>
+          </a:p>
+          <a:p>
+            <a:r>
+              <a:rPr lang="en-US" sz="600" dirty="0" err="1"/>
+              <a:t>CentralAir</a:t>
+            </a:r>
+            <a:r>
+              <a:rPr lang="en-US" sz="600" dirty="0"/>
+              <a:t>: Central air conditioning</a:t>
+            </a:r>
+          </a:p>
+          <a:p>
+            <a:r>
+              <a:rPr lang="en-US" sz="600" dirty="0"/>
+              <a:t>Electrical: Electrical system (1 </a:t>
+            </a:r>
+            <a:r>
+              <a:rPr lang="en-US" sz="600" dirty="0" err="1"/>
+              <a:t>NaN</a:t>
+            </a:r>
+            <a:r>
+              <a:rPr lang="en-US" sz="600" dirty="0"/>
+              <a:t> value)</a:t>
+            </a:r>
+          </a:p>
+          <a:p>
+            <a:r>
+              <a:rPr lang="en-US" sz="600" dirty="0"/>
+              <a:t>1stFlrSF: First Floor square feet</a:t>
+            </a:r>
+          </a:p>
+          <a:p>
+            <a:r>
+              <a:rPr lang="en-US" sz="600" dirty="0"/>
+              <a:t>2ndFlrSF: Second floor square feet</a:t>
+            </a:r>
+          </a:p>
+        </p:txBody>
+      </p:sp>
+      <p:sp>
+        <p:nvSpPr>
+          <p:cNvPr id="6" name="TextBox 5">
+            <a:extLst>
+              <a:ext uri="{FF2B5EF4-FFF2-40B4-BE49-F238E27FC236}">
+                <a16:creationId xmlns:a16="http://schemas.microsoft.com/office/drawing/2014/main" id="{A17974E1-0DBB-493B-9D94-7AA6B632A33A}"/>
+              </a:ext>
+            </a:extLst>
+          </p:cNvPr>
+          <p:cNvSpPr txBox="1"/>
+          <p:nvPr/>
+        </p:nvSpPr>
+        <p:spPr>
+          <a:xfrm>
+            <a:off x="8924925" y="3198298"/>
+            <a:ext cx="1748790" cy="3139321"/>
+          </a:xfrm>
+          <a:prstGeom prst="rect">
+            <a:avLst/>
+          </a:prstGeom>
+          <a:noFill/>
+        </p:spPr>
+        <p:txBody>
+          <a:bodyPr wrap="square" rtlCol="0">
+            <a:spAutoFit/>
+          </a:bodyPr>
+          <a:lstStyle/>
+          <a:p>
+            <a:r>
+              <a:rPr lang="en-US" sz="600" dirty="0" err="1"/>
+              <a:t>LowQualFinSF</a:t>
+            </a:r>
+            <a:r>
+              <a:rPr lang="en-US" sz="600" dirty="0"/>
+              <a:t>: Low quality finished square feet (all floors)</a:t>
+            </a:r>
+          </a:p>
+          <a:p>
+            <a:r>
+              <a:rPr lang="en-US" sz="600" dirty="0" err="1"/>
+              <a:t>GrLivArea</a:t>
+            </a:r>
+            <a:r>
+              <a:rPr lang="en-US" sz="600" dirty="0"/>
+              <a:t>: Above grade (ground) living area square feet</a:t>
+            </a:r>
+          </a:p>
+          <a:p>
+            <a:r>
+              <a:rPr lang="en-US" sz="600" dirty="0" err="1"/>
+              <a:t>BsmtFullBath</a:t>
+            </a:r>
+            <a:r>
+              <a:rPr lang="en-US" sz="600" dirty="0"/>
+              <a:t>: Basement full bathrooms</a:t>
+            </a:r>
+          </a:p>
+          <a:p>
+            <a:r>
+              <a:rPr lang="en-US" sz="600" dirty="0" err="1"/>
+              <a:t>BsmtHalfBath</a:t>
+            </a:r>
+            <a:r>
+              <a:rPr lang="en-US" sz="600" dirty="0"/>
+              <a:t>: Basement half bathrooms</a:t>
+            </a:r>
+          </a:p>
+          <a:p>
+            <a:r>
+              <a:rPr lang="en-US" sz="600" dirty="0" err="1"/>
+              <a:t>FullBath</a:t>
+            </a:r>
+            <a:r>
+              <a:rPr lang="en-US" sz="600" dirty="0"/>
+              <a:t>: Full bathrooms above grade</a:t>
+            </a:r>
+          </a:p>
+          <a:p>
+            <a:r>
+              <a:rPr lang="en-US" sz="600" dirty="0" err="1"/>
+              <a:t>HalfBath</a:t>
+            </a:r>
+            <a:r>
+              <a:rPr lang="en-US" sz="600" dirty="0"/>
+              <a:t>: Half baths above grade</a:t>
+            </a:r>
+          </a:p>
+          <a:p>
+            <a:r>
+              <a:rPr lang="en-US" sz="600" dirty="0"/>
+              <a:t>Bedroom: Number of bedrooms above basement level</a:t>
+            </a:r>
+          </a:p>
+          <a:p>
+            <a:r>
+              <a:rPr lang="en-US" sz="600" dirty="0"/>
+              <a:t>Kitchen: Number of kitchens</a:t>
+            </a:r>
+          </a:p>
+          <a:p>
+            <a:r>
+              <a:rPr lang="en-US" sz="600" dirty="0" err="1"/>
+              <a:t>KitchenQual</a:t>
+            </a:r>
+            <a:r>
+              <a:rPr lang="en-US" sz="600" dirty="0"/>
+              <a:t>: Kitchen quality</a:t>
+            </a:r>
+          </a:p>
+          <a:p>
+            <a:r>
+              <a:rPr lang="en-US" sz="600" dirty="0" err="1"/>
+              <a:t>TotRmsAbvGrd</a:t>
+            </a:r>
+            <a:r>
+              <a:rPr lang="en-US" sz="600" dirty="0"/>
+              <a:t>: Total rooms above grade (does not include bathrooms)</a:t>
+            </a:r>
+          </a:p>
+          <a:p>
+            <a:r>
+              <a:rPr lang="en-US" sz="600" dirty="0"/>
+              <a:t>Functional: Home functionality rating</a:t>
+            </a:r>
+          </a:p>
+          <a:p>
+            <a:r>
+              <a:rPr lang="en-US" sz="600" dirty="0"/>
+              <a:t>Fireplaces: Number of fireplaces</a:t>
+            </a:r>
+          </a:p>
+          <a:p>
+            <a:r>
+              <a:rPr lang="en-US" sz="600" dirty="0" err="1"/>
+              <a:t>FireplaceQu</a:t>
+            </a:r>
+            <a:r>
+              <a:rPr lang="en-US" sz="600" dirty="0"/>
+              <a:t>: Fireplace quality (690 </a:t>
+            </a:r>
+            <a:r>
+              <a:rPr lang="en-US" sz="600" dirty="0" err="1"/>
+              <a:t>NaN</a:t>
+            </a:r>
+            <a:r>
+              <a:rPr lang="en-US" sz="600" dirty="0"/>
+              <a:t> values)</a:t>
+            </a:r>
+          </a:p>
+          <a:p>
+            <a:r>
+              <a:rPr lang="en-US" sz="600" dirty="0" err="1"/>
+              <a:t>GarageType</a:t>
+            </a:r>
+            <a:r>
+              <a:rPr lang="en-US" sz="600" dirty="0"/>
+              <a:t>: Garage location (81 </a:t>
+            </a:r>
+            <a:r>
+              <a:rPr lang="en-US" sz="600" dirty="0" err="1"/>
+              <a:t>NaN</a:t>
+            </a:r>
+            <a:r>
+              <a:rPr lang="en-US" sz="600" dirty="0"/>
+              <a:t> values)</a:t>
+            </a:r>
+          </a:p>
+          <a:p>
+            <a:r>
+              <a:rPr lang="en-US" sz="600" dirty="0" err="1"/>
+              <a:t>GarageYrBlt</a:t>
+            </a:r>
+            <a:r>
+              <a:rPr lang="en-US" sz="600" dirty="0"/>
+              <a:t>: Year garage was built (81 </a:t>
+            </a:r>
+            <a:r>
+              <a:rPr lang="en-US" sz="600" dirty="0" err="1"/>
+              <a:t>NaN</a:t>
+            </a:r>
+            <a:r>
+              <a:rPr lang="en-US" sz="600" dirty="0"/>
+              <a:t> values)</a:t>
+            </a:r>
+          </a:p>
+          <a:p>
+            <a:r>
+              <a:rPr lang="en-US" sz="600" dirty="0" err="1"/>
+              <a:t>GarageFinish</a:t>
+            </a:r>
+            <a:r>
+              <a:rPr lang="en-US" sz="600" dirty="0"/>
+              <a:t>: Interior finish of the garage (81 </a:t>
+            </a:r>
+            <a:r>
+              <a:rPr lang="en-US" sz="600" dirty="0" err="1"/>
+              <a:t>NaN</a:t>
+            </a:r>
+            <a:r>
+              <a:rPr lang="en-US" sz="600" dirty="0"/>
+              <a:t> values)</a:t>
+            </a:r>
+          </a:p>
+          <a:p>
+            <a:r>
+              <a:rPr lang="en-US" sz="600" dirty="0" err="1"/>
+              <a:t>GarageCars</a:t>
+            </a:r>
+            <a:r>
+              <a:rPr lang="en-US" sz="600" dirty="0"/>
+              <a:t>: Size of garage in car capacity</a:t>
+            </a:r>
+          </a:p>
+          <a:p>
+            <a:r>
+              <a:rPr lang="en-US" sz="600" dirty="0" err="1"/>
+              <a:t>GarageArea</a:t>
+            </a:r>
+            <a:r>
+              <a:rPr lang="en-US" sz="600" dirty="0"/>
+              <a:t>: Size of garage in square feet</a:t>
+            </a:r>
+          </a:p>
+          <a:p>
+            <a:r>
+              <a:rPr lang="en-US" sz="600" dirty="0" err="1"/>
+              <a:t>GarageQual</a:t>
+            </a:r>
+            <a:r>
+              <a:rPr lang="en-US" sz="600" dirty="0"/>
+              <a:t>: Garage quality (81 </a:t>
+            </a:r>
+            <a:r>
+              <a:rPr lang="en-US" sz="600" dirty="0" err="1"/>
+              <a:t>NaN</a:t>
+            </a:r>
+            <a:r>
+              <a:rPr lang="en-US" sz="600" dirty="0"/>
+              <a:t> values)</a:t>
+            </a:r>
+          </a:p>
+          <a:p>
+            <a:r>
+              <a:rPr lang="en-US" sz="600" dirty="0" err="1"/>
+              <a:t>GarageCond</a:t>
+            </a:r>
+            <a:r>
+              <a:rPr lang="en-US" sz="600" dirty="0"/>
+              <a:t>: Garage condition (81 </a:t>
+            </a:r>
+            <a:r>
+              <a:rPr lang="en-US" sz="600" dirty="0" err="1"/>
+              <a:t>NaN</a:t>
+            </a:r>
+            <a:r>
+              <a:rPr lang="en-US" sz="600" dirty="0"/>
+              <a:t> values)</a:t>
+            </a:r>
+          </a:p>
+          <a:p>
+            <a:endParaRPr lang="en-US" sz="600" dirty="0"/>
+          </a:p>
+        </p:txBody>
+      </p:sp>
+      <p:sp>
+        <p:nvSpPr>
+          <p:cNvPr id="7" name="TextBox 6">
+            <a:extLst>
+              <a:ext uri="{FF2B5EF4-FFF2-40B4-BE49-F238E27FC236}">
+                <a16:creationId xmlns:a16="http://schemas.microsoft.com/office/drawing/2014/main" id="{471BFE93-F664-4D7D-BCBB-090D15AF7AF3}"/>
+              </a:ext>
+            </a:extLst>
+          </p:cNvPr>
+          <p:cNvSpPr txBox="1"/>
+          <p:nvPr/>
+        </p:nvSpPr>
+        <p:spPr>
+          <a:xfrm>
+            <a:off x="10587989" y="3198298"/>
+            <a:ext cx="1489711" cy="3000821"/>
+          </a:xfrm>
+          <a:prstGeom prst="rect">
+            <a:avLst/>
+          </a:prstGeom>
+          <a:noFill/>
+        </p:spPr>
+        <p:txBody>
+          <a:bodyPr wrap="square" rtlCol="0">
+            <a:spAutoFit/>
+          </a:bodyPr>
+          <a:lstStyle/>
+          <a:p>
+            <a:r>
+              <a:rPr lang="en-US" sz="700" dirty="0" err="1"/>
+              <a:t>PavedDrive</a:t>
+            </a:r>
+            <a:r>
+              <a:rPr lang="en-US" sz="700" dirty="0"/>
+              <a:t>: Paved driveway</a:t>
+            </a:r>
+          </a:p>
+          <a:p>
+            <a:r>
+              <a:rPr lang="en-US" sz="700" dirty="0" err="1"/>
+              <a:t>WoodDeckSF</a:t>
+            </a:r>
+            <a:r>
+              <a:rPr lang="en-US" sz="700" dirty="0"/>
+              <a:t>: Wood deck area in square feet</a:t>
+            </a:r>
+          </a:p>
+          <a:p>
+            <a:r>
+              <a:rPr lang="en-US" sz="700" dirty="0" err="1"/>
+              <a:t>OpenPorchSF</a:t>
+            </a:r>
+            <a:r>
+              <a:rPr lang="en-US" sz="700" dirty="0"/>
+              <a:t>: Open porch area in square feet</a:t>
+            </a:r>
+          </a:p>
+          <a:p>
+            <a:r>
+              <a:rPr lang="en-US" sz="700" dirty="0" err="1"/>
+              <a:t>EnclosedPorch</a:t>
+            </a:r>
+            <a:r>
+              <a:rPr lang="en-US" sz="700" dirty="0"/>
+              <a:t>: Enclosed porch area in square feet</a:t>
+            </a:r>
+          </a:p>
+          <a:p>
+            <a:r>
+              <a:rPr lang="en-US" sz="700" dirty="0"/>
+              <a:t>3SsnPorch: Three season porch area in square feet</a:t>
+            </a:r>
+          </a:p>
+          <a:p>
+            <a:r>
+              <a:rPr lang="en-US" sz="700" dirty="0" err="1"/>
+              <a:t>ScreenPorch</a:t>
+            </a:r>
+            <a:r>
+              <a:rPr lang="en-US" sz="700" dirty="0"/>
+              <a:t>: Screen porch area in square feet</a:t>
+            </a:r>
+          </a:p>
+          <a:p>
+            <a:r>
+              <a:rPr lang="en-US" sz="700" dirty="0" err="1"/>
+              <a:t>PoolArea</a:t>
+            </a:r>
+            <a:r>
+              <a:rPr lang="en-US" sz="700" dirty="0"/>
+              <a:t>: Pool area in square feet</a:t>
+            </a:r>
+          </a:p>
+          <a:p>
+            <a:r>
+              <a:rPr lang="en-US" sz="700" dirty="0" err="1"/>
+              <a:t>PoolQC</a:t>
+            </a:r>
+            <a:r>
+              <a:rPr lang="en-US" sz="700" dirty="0"/>
+              <a:t>: Pool quality (1453 </a:t>
+            </a:r>
+            <a:r>
+              <a:rPr lang="en-US" sz="700" dirty="0" err="1"/>
+              <a:t>NaN</a:t>
+            </a:r>
+            <a:r>
+              <a:rPr lang="en-US" sz="700" dirty="0"/>
+              <a:t> values)</a:t>
+            </a:r>
+          </a:p>
+          <a:p>
+            <a:r>
+              <a:rPr lang="en-US" sz="700" dirty="0"/>
+              <a:t>Fence: Fence quality (1179 </a:t>
+            </a:r>
+            <a:r>
+              <a:rPr lang="en-US" sz="700" dirty="0" err="1"/>
+              <a:t>NaN</a:t>
+            </a:r>
+            <a:r>
+              <a:rPr lang="en-US" sz="700" dirty="0"/>
+              <a:t> values)</a:t>
+            </a:r>
+          </a:p>
+          <a:p>
+            <a:r>
+              <a:rPr lang="en-US" sz="700" dirty="0" err="1"/>
+              <a:t>MiscFeature</a:t>
+            </a:r>
+            <a:r>
+              <a:rPr lang="en-US" sz="700" dirty="0"/>
+              <a:t>: Miscellaneous feature not covered in other categories (1406 </a:t>
+            </a:r>
+            <a:r>
+              <a:rPr lang="en-US" sz="700" dirty="0" err="1"/>
+              <a:t>NaN</a:t>
+            </a:r>
+            <a:r>
+              <a:rPr lang="en-US" sz="700" dirty="0"/>
+              <a:t> values)</a:t>
+            </a:r>
+          </a:p>
+          <a:p>
+            <a:r>
+              <a:rPr lang="en-US" sz="700" dirty="0" err="1"/>
+              <a:t>MiscVal</a:t>
+            </a:r>
+            <a:r>
+              <a:rPr lang="en-US" sz="700" dirty="0"/>
+              <a:t>: $Value of miscellaneous feature</a:t>
+            </a:r>
+          </a:p>
+          <a:p>
+            <a:r>
+              <a:rPr lang="en-US" sz="700" dirty="0" err="1"/>
+              <a:t>MoSold</a:t>
+            </a:r>
+            <a:r>
+              <a:rPr lang="en-US" sz="700" dirty="0"/>
+              <a:t>: Month Sold</a:t>
+            </a:r>
+          </a:p>
+          <a:p>
+            <a:r>
+              <a:rPr lang="en-US" sz="700" dirty="0" err="1"/>
+              <a:t>YrSold</a:t>
+            </a:r>
+            <a:r>
+              <a:rPr lang="en-US" sz="700" dirty="0"/>
+              <a:t>: Year Sold</a:t>
+            </a:r>
+          </a:p>
+          <a:p>
+            <a:r>
+              <a:rPr lang="en-US" sz="700" dirty="0" err="1"/>
+              <a:t>SaleType</a:t>
+            </a:r>
+            <a:r>
+              <a:rPr lang="en-US" sz="700" dirty="0"/>
+              <a:t>: Type of sale</a:t>
+            </a:r>
+          </a:p>
+          <a:p>
+            <a:r>
+              <a:rPr lang="en-US" sz="700" dirty="0" err="1"/>
+              <a:t>SaleCondition</a:t>
+            </a:r>
+            <a:r>
+              <a:rPr lang="en-US" sz="700" dirty="0"/>
+              <a:t>: Condition of sale</a:t>
+            </a:r>
+          </a:p>
+        </p:txBody>
+      </p:sp>
+    </p:spTree>
+    <p:extLst>
+      <p:ext uri="{BB962C8B-B14F-4D97-AF65-F5344CB8AC3E}">
+        <p14:creationId xmlns:p14="http://schemas.microsoft.com/office/powerpoint/2010/main" val="3389268624"/>
+      </p:ext>
+    </p:extLst>
+  </p:cSld>
+  <p:clrMapOvr>
+    <a:masterClrMapping/>
+  </p:clrMapOvr>
+</p:sld>
+</file>
+
+<file path=ppt/slides/slide8.xml><?xml version="1.0" encoding="utf-8"?>
 <p:sld xmlns:a="http://schemas.openxmlformats.org/drawingml/2006/main" xmlns:r="http://schemas.openxmlformats.org/officeDocument/2006/relationships" xmlns:p="http://schemas.openxmlformats.org/presentationml/2006/main">
   <p:cSld>
     <p:spTree>
@@ -18440,156 +18713,6 @@
 </p:sld>
 </file>
 
-<file path=ppt/slides/slide8.xml><?xml version="1.0" encoding="utf-8"?>
-<p:sld xmlns:a="http://schemas.openxmlformats.org/drawingml/2006/main" xmlns:r="http://schemas.openxmlformats.org/officeDocument/2006/relationships" xmlns:p="http://schemas.openxmlformats.org/presentationml/2006/main">
-  <p:cSld>
-    <p:spTree>
-      <p:nvGrpSpPr>
-        <p:cNvPr id="1" name=""/>
-        <p:cNvGrpSpPr/>
-        <p:nvPr/>
-      </p:nvGrpSpPr>
-      <p:grpSpPr>
-        <a:xfrm>
-          <a:off x="0" y="0"/>
-          <a:ext cx="0" cy="0"/>
-          <a:chOff x="0" y="0"/>
-          <a:chExt cx="0" cy="0"/>
-        </a:xfrm>
-      </p:grpSpPr>
-      <p:sp>
-        <p:nvSpPr>
-          <p:cNvPr id="2" name="Title 1">
-            <a:extLst>
-              <a:ext uri="{FF2B5EF4-FFF2-40B4-BE49-F238E27FC236}">
-                <a16:creationId xmlns:a16="http://schemas.microsoft.com/office/drawing/2014/main" id="{0037B73C-C529-476A-B4A5-326691E05071}"/>
-              </a:ext>
-            </a:extLst>
-          </p:cNvPr>
-          <p:cNvSpPr>
-            <a:spLocks noGrp="1"/>
-          </p:cNvSpPr>
-          <p:nvPr>
-            <p:ph type="title"/>
-          </p:nvPr>
-        </p:nvSpPr>
-        <p:spPr/>
-        <p:txBody>
-          <a:bodyPr/>
-          <a:lstStyle/>
-          <a:p>
-            <a:r>
-              <a:rPr lang="en-US" dirty="0"/>
-              <a:t>II. Presenting the Research Question</a:t>
-            </a:r>
-          </a:p>
-        </p:txBody>
-      </p:sp>
-      <p:sp>
-        <p:nvSpPr>
-          <p:cNvPr id="3" name="Text Placeholder 2">
-            <a:extLst>
-              <a:ext uri="{FF2B5EF4-FFF2-40B4-BE49-F238E27FC236}">
-                <a16:creationId xmlns:a16="http://schemas.microsoft.com/office/drawing/2014/main" id="{4CFB5C0B-B2D7-4BB9-919E-E9B56CE58B14}"/>
-              </a:ext>
-            </a:extLst>
-          </p:cNvPr>
-          <p:cNvSpPr>
-            <a:spLocks noGrp="1"/>
-          </p:cNvSpPr>
-          <p:nvPr>
-            <p:ph type="body" idx="1"/>
-          </p:nvPr>
-        </p:nvSpPr>
-        <p:spPr/>
-        <p:txBody>
-          <a:bodyPr/>
-          <a:lstStyle/>
-          <a:p>
-            <a:endParaRPr lang="en-US" dirty="0"/>
-          </a:p>
-        </p:txBody>
-      </p:sp>
-      <p:sp>
-        <p:nvSpPr>
-          <p:cNvPr id="4" name="Rectangle 3">
-            <a:extLst>
-              <a:ext uri="{FF2B5EF4-FFF2-40B4-BE49-F238E27FC236}">
-                <a16:creationId xmlns:a16="http://schemas.microsoft.com/office/drawing/2014/main" id="{398385F8-1930-4A00-B50B-E2F1CDBDBFEA}"/>
-              </a:ext>
-            </a:extLst>
-          </p:cNvPr>
-          <p:cNvSpPr/>
-          <p:nvPr/>
-        </p:nvSpPr>
-        <p:spPr>
-          <a:xfrm>
-            <a:off x="6096000" y="1619647"/>
-            <a:ext cx="6096000" cy="2862322"/>
-          </a:xfrm>
-          <a:prstGeom prst="rect">
-            <a:avLst/>
-          </a:prstGeom>
-        </p:spPr>
-        <p:txBody>
-          <a:bodyPr>
-            <a:spAutoFit/>
-          </a:bodyPr>
-          <a:lstStyle/>
-          <a:p>
-            <a:r>
-              <a:rPr lang="en-US" dirty="0"/>
-              <a:t>I. Introduction to House Prices</a:t>
-            </a:r>
-          </a:p>
-          <a:p>
-            <a:endParaRPr lang="en-US" dirty="0"/>
-          </a:p>
-          <a:p>
-            <a:endParaRPr lang="en-US" dirty="0"/>
-          </a:p>
-          <a:p>
-            <a:endParaRPr lang="en-US" dirty="0"/>
-          </a:p>
-          <a:p>
-            <a:endParaRPr lang="en-US" dirty="0"/>
-          </a:p>
-          <a:p>
-            <a:endParaRPr lang="en-US" dirty="0"/>
-          </a:p>
-          <a:p>
-            <a:endParaRPr lang="en-US" dirty="0"/>
-          </a:p>
-          <a:p>
-            <a:endParaRPr lang="en-US" dirty="0"/>
-          </a:p>
-          <a:p>
-            <a:r>
-              <a:rPr lang="en-US" dirty="0"/>
-              <a:t>III. Addressing the Research Question</a:t>
-            </a:r>
-          </a:p>
-          <a:p>
-            <a:r>
-              <a:rPr lang="en-US" dirty="0"/>
-              <a:t>IV. Conclusion: Model’s Relevance</a:t>
-            </a:r>
-          </a:p>
-        </p:txBody>
-      </p:sp>
-    </p:spTree>
-    <p:extLst>
-      <p:ext uri="{BB962C8B-B14F-4D97-AF65-F5344CB8AC3E}">
-        <p14:creationId xmlns:p14="http://schemas.microsoft.com/office/powerpoint/2010/main" val="732105831"/>
-      </p:ext>
-    </p:extLst>
-  </p:cSld>
-  <p:clrMapOvr>
-    <a:masterClrMapping/>
-  </p:clrMapOvr>
-</p:sld>
-</file>
-
 <file path=ppt/slides/slide9.xml><?xml version="1.0" encoding="utf-8"?>
 <p:sld xmlns:a="http://schemas.openxmlformats.org/drawingml/2006/main" xmlns:r="http://schemas.openxmlformats.org/officeDocument/2006/relationships" xmlns:p="http://schemas.openxmlformats.org/presentationml/2006/main">
   <p:cSld>
@@ -18612,7 +18735,7 @@
           <p:cNvPr id="2" name="Title 1">
             <a:extLst>
               <a:ext uri="{FF2B5EF4-FFF2-40B4-BE49-F238E27FC236}">
-                <a16:creationId xmlns:a16="http://schemas.microsoft.com/office/drawing/2014/main" id="{607001DB-EE5C-4C56-8AA6-6E34848F87DE}"/>
+                <a16:creationId xmlns:a16="http://schemas.microsoft.com/office/drawing/2014/main" id="{0037B73C-C529-476A-B4A5-326691E05071}"/>
               </a:ext>
             </a:extLst>
           </p:cNvPr>
@@ -18629,25 +18752,18 @@
           <a:lstStyle/>
           <a:p>
             <a:r>
-              <a:rPr lang="en-US" sz="1800" dirty="0"/>
+              <a:rPr lang="en-US" dirty="0"/>
               <a:t>II. Presenting the Research Question</a:t>
             </a:r>
-            <a:br>
-              <a:rPr lang="en-US" dirty="0"/>
-            </a:br>
-            <a:r>
-              <a:rPr lang="en-US" dirty="0"/>
-              <a:t>The Need and Solution</a:t>
-            </a:r>
-          </a:p>
-        </p:txBody>
-      </p:sp>
-      <p:sp>
-        <p:nvSpPr>
-          <p:cNvPr id="3" name="Content Placeholder 2">
+          </a:p>
+        </p:txBody>
+      </p:sp>
+      <p:sp>
+        <p:nvSpPr>
+          <p:cNvPr id="3" name="Text Placeholder 2">
             <a:extLst>
               <a:ext uri="{FF2B5EF4-FFF2-40B4-BE49-F238E27FC236}">
-                <a16:creationId xmlns:a16="http://schemas.microsoft.com/office/drawing/2014/main" id="{035944EF-FF56-485A-B7EE-2C6FD317DD50}"/>
+                <a16:creationId xmlns:a16="http://schemas.microsoft.com/office/drawing/2014/main" id="{4CFB5C0B-B2D7-4BB9-919E-E9B56CE58B14}"/>
               </a:ext>
             </a:extLst>
           </p:cNvPr>
@@ -18655,87 +18771,89 @@
             <a:spLocks noGrp="1"/>
           </p:cNvSpPr>
           <p:nvPr>
-            <p:ph idx="1"/>
+            <p:ph type="body" idx="1"/>
           </p:nvPr>
         </p:nvSpPr>
         <p:spPr/>
         <p:txBody>
+          <a:bodyPr/>
+          <a:lstStyle/>
+          <a:p>
+            <a:endParaRPr lang="en-US" dirty="0"/>
+          </a:p>
+        </p:txBody>
+      </p:sp>
+      <p:sp>
+        <p:nvSpPr>
+          <p:cNvPr id="4" name="Rectangle 3">
+            <a:extLst>
+              <a:ext uri="{FF2B5EF4-FFF2-40B4-BE49-F238E27FC236}">
+                <a16:creationId xmlns:a16="http://schemas.microsoft.com/office/drawing/2014/main" id="{398385F8-1930-4A00-B50B-E2F1CDBDBFEA}"/>
+              </a:ext>
+            </a:extLst>
+          </p:cNvPr>
+          <p:cNvSpPr/>
+          <p:nvPr/>
+        </p:nvSpPr>
+        <p:spPr>
+          <a:xfrm>
+            <a:off x="6096000" y="1619647"/>
+            <a:ext cx="6096000" cy="2862322"/>
+          </a:xfrm>
+          <a:prstGeom prst="rect">
+            <a:avLst/>
+          </a:prstGeom>
+        </p:spPr>
+        <p:txBody>
           <a:bodyPr>
-            <a:normAutofit/>
+            <a:spAutoFit/>
           </a:bodyPr>
           <a:lstStyle/>
           <a:p>
             <a:r>
               <a:rPr lang="en-US" dirty="0"/>
-              <a:t>The Need</a:t>
-            </a:r>
-          </a:p>
-          <a:p>
-            <a:pPr lvl="1"/>
+              <a:t>I. Introduction to House Prices</a:t>
+            </a:r>
+          </a:p>
+          <a:p>
+            <a:endParaRPr lang="en-US" dirty="0"/>
+          </a:p>
+          <a:p>
+            <a:endParaRPr lang="en-US" dirty="0"/>
+          </a:p>
+          <a:p>
+            <a:endParaRPr lang="en-US" dirty="0"/>
+          </a:p>
+          <a:p>
+            <a:endParaRPr lang="en-US" dirty="0"/>
+          </a:p>
+          <a:p>
+            <a:endParaRPr lang="en-US" dirty="0"/>
+          </a:p>
+          <a:p>
+            <a:endParaRPr lang="en-US" dirty="0"/>
+          </a:p>
+          <a:p>
+            <a:endParaRPr lang="en-US" dirty="0"/>
+          </a:p>
+          <a:p>
             <a:r>
               <a:rPr lang="en-US" dirty="0"/>
-              <a:t>Those lacking industry experience in real estate are at risk of buying or selling mispriced properties at a loss. </a:t>
-            </a:r>
-          </a:p>
-          <a:p>
-            <a:pPr lvl="1"/>
+              <a:t>III. Addressing the Research Question</a:t>
+            </a:r>
+          </a:p>
+          <a:p>
             <a:r>
               <a:rPr lang="en-US" dirty="0"/>
-              <a:t>When given a complete list of the house specifications, the buyer/seller should have statistical confidence in their desired house price point. </a:t>
-            </a:r>
-          </a:p>
-          <a:p>
-            <a:r>
-              <a:rPr lang="en-US" dirty="0"/>
-              <a:t>The Solution</a:t>
-            </a:r>
-          </a:p>
-          <a:p>
-            <a:pPr lvl="1"/>
-            <a:r>
-              <a:rPr lang="en-US" dirty="0"/>
-              <a:t>By creating a model that uses a wide variety of features, we will be able to </a:t>
-            </a:r>
-            <a:r>
-              <a:rPr lang="en-US" b="1" dirty="0"/>
-              <a:t>calculate the house price</a:t>
-            </a:r>
-            <a:r>
-              <a:rPr lang="en-US" dirty="0"/>
-              <a:t>. </a:t>
-            </a:r>
-          </a:p>
-          <a:p>
-            <a:pPr lvl="2"/>
-            <a:r>
-              <a:rPr lang="en-US" dirty="0"/>
-              <a:t>The seller may input house specifications specifications and have it return an estimated selling price.</a:t>
-            </a:r>
-          </a:p>
-          <a:p>
-            <a:pPr lvl="2"/>
-            <a:r>
-              <a:rPr lang="en-US" dirty="0"/>
-              <a:t>The buyer may assess deals based on the house specifications and determine whether a listing is over- or </a:t>
-            </a:r>
-            <a:r>
-              <a:rPr lang="en-US" dirty="0" err="1"/>
-              <a:t>under-priced</a:t>
-            </a:r>
-            <a:r>
-              <a:rPr lang="en-US" dirty="0"/>
-              <a:t>.</a:t>
-            </a:r>
-          </a:p>
-          <a:p>
-            <a:endParaRPr lang="en-US" dirty="0"/>
+              <a:t>IV. Conclusion: Model’s Relevance</a:t>
+            </a:r>
           </a:p>
         </p:txBody>
       </p:sp>
     </p:spTree>
     <p:extLst>
       <p:ext uri="{BB962C8B-B14F-4D97-AF65-F5344CB8AC3E}">
-        <p14:creationId xmlns:p14="http://schemas.microsoft.com/office/powerpoint/2010/main" val="4080860243"/>
+        <p14:creationId xmlns:p14="http://schemas.microsoft.com/office/powerpoint/2010/main" val="732105831"/>
       </p:ext>
     </p:extLst>
   </p:cSld>
